--- a/Presentation1.pptx
+++ b/Presentation1.pptx
@@ -5,7 +5,7 @@
     <p:sldMasterId id="2147483648" r:id="rId1"/>
   </p:sldMasterIdLst>
   <p:notesMasterIdLst>
-    <p:notesMasterId r:id="rId19"/>
+    <p:notesMasterId r:id="rId20"/>
   </p:notesMasterIdLst>
   <p:sldIdLst>
     <p:sldId id="308" r:id="rId2"/>
@@ -25,6 +25,7 @@
     <p:sldId id="346" r:id="rId16"/>
     <p:sldId id="347" r:id="rId17"/>
     <p:sldId id="349" r:id="rId18"/>
+    <p:sldId id="350" r:id="rId19"/>
   </p:sldIdLst>
   <p:sldSz cx="12192000" cy="6858000"/>
   <p:notesSz cx="6858000" cy="9144000"/>
@@ -213,7 +214,7 @@
           <a:p>
             <a:fld id="{EF68CB36-D298-4D07-ABD3-AEE9D897DD5A}" type="datetimeFigureOut">
               <a:rPr lang="fr-CA" smtClean="0"/>
-              <a:t>2023-06-21</a:t>
+              <a:t>2023-06-22</a:t>
             </a:fld>
             <a:endParaRPr lang="fr-CA" dirty="0"/>
           </a:p>
@@ -1061,7 +1062,7 @@
           <a:p>
             <a:fld id="{16E27D5F-CCD3-4A49-AB32-E1895BADD980}" type="datetimeFigureOut">
               <a:rPr lang="fr-CA" smtClean="0"/>
-              <a:t>2023-06-21</a:t>
+              <a:t>2023-06-22</a:t>
             </a:fld>
             <a:endParaRPr lang="fr-CA" dirty="0"/>
           </a:p>
@@ -1261,7 +1262,7 @@
           <a:p>
             <a:fld id="{16E27D5F-CCD3-4A49-AB32-E1895BADD980}" type="datetimeFigureOut">
               <a:rPr lang="fr-CA" smtClean="0"/>
-              <a:t>2023-06-21</a:t>
+              <a:t>2023-06-22</a:t>
             </a:fld>
             <a:endParaRPr lang="fr-CA" dirty="0"/>
           </a:p>
@@ -1471,7 +1472,7 @@
           <a:p>
             <a:fld id="{16E27D5F-CCD3-4A49-AB32-E1895BADD980}" type="datetimeFigureOut">
               <a:rPr lang="fr-CA" smtClean="0"/>
-              <a:t>2023-06-21</a:t>
+              <a:t>2023-06-22</a:t>
             </a:fld>
             <a:endParaRPr lang="fr-CA" dirty="0"/>
           </a:p>
@@ -3057,7 +3058,7 @@
           <a:p>
             <a:fld id="{16E27D5F-CCD3-4A49-AB32-E1895BADD980}" type="datetimeFigureOut">
               <a:rPr lang="fr-CA" smtClean="0"/>
-              <a:t>2023-06-21</a:t>
+              <a:t>2023-06-22</a:t>
             </a:fld>
             <a:endParaRPr lang="fr-CA" dirty="0"/>
           </a:p>
@@ -3333,7 +3334,7 @@
           <a:p>
             <a:fld id="{16E27D5F-CCD3-4A49-AB32-E1895BADD980}" type="datetimeFigureOut">
               <a:rPr lang="fr-CA" smtClean="0"/>
-              <a:t>2023-06-21</a:t>
+              <a:t>2023-06-22</a:t>
             </a:fld>
             <a:endParaRPr lang="fr-CA" dirty="0"/>
           </a:p>
@@ -3601,7 +3602,7 @@
           <a:p>
             <a:fld id="{16E27D5F-CCD3-4A49-AB32-E1895BADD980}" type="datetimeFigureOut">
               <a:rPr lang="fr-CA" smtClean="0"/>
-              <a:t>2023-06-21</a:t>
+              <a:t>2023-06-22</a:t>
             </a:fld>
             <a:endParaRPr lang="fr-CA" dirty="0"/>
           </a:p>
@@ -4016,7 +4017,7 @@
           <a:p>
             <a:fld id="{16E27D5F-CCD3-4A49-AB32-E1895BADD980}" type="datetimeFigureOut">
               <a:rPr lang="fr-CA" smtClean="0"/>
-              <a:t>2023-06-21</a:t>
+              <a:t>2023-06-22</a:t>
             </a:fld>
             <a:endParaRPr lang="fr-CA" dirty="0"/>
           </a:p>
@@ -4158,7 +4159,7 @@
           <a:p>
             <a:fld id="{16E27D5F-CCD3-4A49-AB32-E1895BADD980}" type="datetimeFigureOut">
               <a:rPr lang="fr-CA" smtClean="0"/>
-              <a:t>2023-06-21</a:t>
+              <a:t>2023-06-22</a:t>
             </a:fld>
             <a:endParaRPr lang="fr-CA" dirty="0"/>
           </a:p>
@@ -4271,7 +4272,7 @@
           <a:p>
             <a:fld id="{16E27D5F-CCD3-4A49-AB32-E1895BADD980}" type="datetimeFigureOut">
               <a:rPr lang="fr-CA" smtClean="0"/>
-              <a:t>2023-06-21</a:t>
+              <a:t>2023-06-22</a:t>
             </a:fld>
             <a:endParaRPr lang="fr-CA" dirty="0"/>
           </a:p>
@@ -4584,7 +4585,7 @@
           <a:p>
             <a:fld id="{16E27D5F-CCD3-4A49-AB32-E1895BADD980}" type="datetimeFigureOut">
               <a:rPr lang="fr-CA" smtClean="0"/>
-              <a:t>2023-06-21</a:t>
+              <a:t>2023-06-22</a:t>
             </a:fld>
             <a:endParaRPr lang="fr-CA" dirty="0"/>
           </a:p>
@@ -4873,7 +4874,7 @@
           <a:p>
             <a:fld id="{16E27D5F-CCD3-4A49-AB32-E1895BADD980}" type="datetimeFigureOut">
               <a:rPr lang="fr-CA" smtClean="0"/>
-              <a:t>2023-06-21</a:t>
+              <a:t>2023-06-22</a:t>
             </a:fld>
             <a:endParaRPr lang="fr-CA" dirty="0"/>
           </a:p>
@@ -5116,7 +5117,7 @@
           <a:p>
             <a:fld id="{16E27D5F-CCD3-4A49-AB32-E1895BADD980}" type="datetimeFigureOut">
               <a:rPr lang="fr-CA" smtClean="0"/>
-              <a:t>2023-06-21</a:t>
+              <a:t>2023-06-22</a:t>
             </a:fld>
             <a:endParaRPr lang="fr-CA" dirty="0"/>
           </a:p>
@@ -5836,7 +5837,7 @@
         </p:nvSpPr>
         <p:spPr>
           <a:xfrm>
-            <a:off x="5998093" y="1342845"/>
+            <a:off x="6011540" y="1383186"/>
             <a:ext cx="5712317" cy="461665"/>
           </a:xfrm>
           <a:prstGeom prst="rect">
@@ -13759,10 +13760,10 @@
       </p:grpSp>
       <p:pic>
         <p:nvPicPr>
-          <p:cNvPr id="5" name="Picture 4" descr="A picture containing text, screenshot, diagram, font&#10;&#10;Description automatically generated">
+          <p:cNvPr id="18" name="Picture 17" descr="A picture containing text, screenshot, diagram, parallel&#10;&#10;Description automatically generated">
             <a:extLst>
               <a:ext uri="{FF2B5EF4-FFF2-40B4-BE49-F238E27FC236}">
-                <a16:creationId xmlns:a16="http://schemas.microsoft.com/office/drawing/2014/main" id="{58825477-0F0F-F08F-8C33-63265EEB2A7E}"/>
+                <a16:creationId xmlns:a16="http://schemas.microsoft.com/office/drawing/2014/main" id="{2002975E-7351-5C2C-36E0-80CB7187C97D}"/>
               </a:ext>
             </a:extLst>
           </p:cNvPr>
@@ -13785,8 +13786,8 @@
         </p:blipFill>
         <p:spPr>
           <a:xfrm>
-            <a:off x="3124200" y="1257300"/>
-            <a:ext cx="7119818" cy="5202944"/>
+            <a:off x="3691584" y="1320888"/>
+            <a:ext cx="6803569" cy="5135386"/>
           </a:xfrm>
           <a:prstGeom prst="rect">
             <a:avLst/>
@@ -20155,6 +20156,1286 @@
 </p:sld>
 </file>
 
+<file path=ppt/slides/slide18.xml><?xml version="1.0" encoding="utf-8"?>
+<p:sld xmlns:a="http://schemas.openxmlformats.org/drawingml/2006/main" xmlns:r="http://schemas.openxmlformats.org/officeDocument/2006/relationships" xmlns:p="http://schemas.openxmlformats.org/presentationml/2006/main">
+  <p:cSld>
+    <p:spTree>
+      <p:nvGrpSpPr>
+        <p:cNvPr id="1" name=""/>
+        <p:cNvGrpSpPr/>
+        <p:nvPr/>
+      </p:nvGrpSpPr>
+      <p:grpSpPr>
+        <a:xfrm>
+          <a:off x="0" y="0"/>
+          <a:ext cx="0" cy="0"/>
+          <a:chOff x="0" y="0"/>
+          <a:chExt cx="0" cy="0"/>
+        </a:xfrm>
+      </p:grpSpPr>
+      <p:sp>
+        <p:nvSpPr>
+          <p:cNvPr id="2" name="Text Placeholder 1">
+            <a:extLst>
+              <a:ext uri="{FF2B5EF4-FFF2-40B4-BE49-F238E27FC236}">
+                <a16:creationId xmlns:a16="http://schemas.microsoft.com/office/drawing/2014/main" id="{EFE6371C-F23A-E2CD-67A8-BCD71064F472}"/>
+              </a:ext>
+            </a:extLst>
+          </p:cNvPr>
+          <p:cNvSpPr>
+            <a:spLocks noGrp="1"/>
+          </p:cNvSpPr>
+          <p:nvPr>
+            <p:ph type="body" sz="quarter" idx="10"/>
+          </p:nvPr>
+        </p:nvSpPr>
+        <p:spPr>
+          <a:xfrm>
+            <a:off x="309401" y="231931"/>
+            <a:ext cx="11573197" cy="494209"/>
+          </a:xfrm>
+        </p:spPr>
+        <p:txBody>
+          <a:bodyPr>
+            <a:normAutofit fontScale="62500" lnSpcReduction="20000"/>
+          </a:bodyPr>
+          <a:lstStyle/>
+          <a:p>
+            <a:r>
+              <a:rPr lang="fr-FR" dirty="0">
+                <a:solidFill>
+                  <a:schemeClr val="accent5">
+                    <a:lumMod val="75000"/>
+                  </a:schemeClr>
+                </a:solidFill>
+                <a:latin typeface="Cambria" panose="02040503050406030204" pitchFamily="18" charset="0"/>
+                <a:ea typeface="Cambria" panose="02040503050406030204" pitchFamily="18" charset="0"/>
+              </a:rPr>
+              <a:t>REALISATION PROJET – GESTION DE FICHIERS</a:t>
+            </a:r>
+          </a:p>
+        </p:txBody>
+      </p:sp>
+      <p:cxnSp>
+        <p:nvCxnSpPr>
+          <p:cNvPr id="4" name="Straight Connector 3">
+            <a:extLst>
+              <a:ext uri="{FF2B5EF4-FFF2-40B4-BE49-F238E27FC236}">
+                <a16:creationId xmlns:a16="http://schemas.microsoft.com/office/drawing/2014/main" id="{E3F782B6-25A8-3FDC-1F5F-4D163FEA48F6}"/>
+              </a:ext>
+            </a:extLst>
+          </p:cNvPr>
+          <p:cNvCxnSpPr>
+            <a:cxnSpLocks/>
+          </p:cNvCxnSpPr>
+          <p:nvPr/>
+        </p:nvCxnSpPr>
+        <p:spPr>
+          <a:xfrm flipV="1">
+            <a:off x="2407024" y="739587"/>
+            <a:ext cx="7503458" cy="13448"/>
+          </a:xfrm>
+          <a:prstGeom prst="line">
+            <a:avLst/>
+          </a:prstGeom>
+        </p:spPr>
+        <p:style>
+          <a:lnRef idx="1">
+            <a:schemeClr val="accent1"/>
+          </a:lnRef>
+          <a:fillRef idx="0">
+            <a:schemeClr val="accent1"/>
+          </a:fillRef>
+          <a:effectRef idx="0">
+            <a:schemeClr val="accent1"/>
+          </a:effectRef>
+          <a:fontRef idx="minor">
+            <a:schemeClr val="tx1"/>
+          </a:fontRef>
+        </p:style>
+      </p:cxnSp>
+      <p:grpSp>
+        <p:nvGrpSpPr>
+          <p:cNvPr id="7" name="Group 6">
+            <a:extLst>
+              <a:ext uri="{FF2B5EF4-FFF2-40B4-BE49-F238E27FC236}">
+                <a16:creationId xmlns:a16="http://schemas.microsoft.com/office/drawing/2014/main" id="{54EF760C-C3FC-5509-E681-D3EE4EBC3AAA}"/>
+              </a:ext>
+            </a:extLst>
+          </p:cNvPr>
+          <p:cNvGrpSpPr/>
+          <p:nvPr/>
+        </p:nvGrpSpPr>
+        <p:grpSpPr>
+          <a:xfrm rot="10800000" flipH="1" flipV="1">
+            <a:off x="1696846" y="672351"/>
+            <a:ext cx="819717" cy="648537"/>
+            <a:chOff x="0" y="30309"/>
+            <a:chExt cx="12191759" cy="6798583"/>
+          </a:xfrm>
+        </p:grpSpPr>
+        <p:sp>
+          <p:nvSpPr>
+            <p:cNvPr id="8" name="Freeform: Shape 7">
+              <a:extLst>
+                <a:ext uri="{FF2B5EF4-FFF2-40B4-BE49-F238E27FC236}">
+                  <a16:creationId xmlns:a16="http://schemas.microsoft.com/office/drawing/2014/main" id="{9DB5AB17-97A4-792C-EDDA-0F455BF09EEE}"/>
+                </a:ext>
+              </a:extLst>
+            </p:cNvPr>
+            <p:cNvSpPr/>
+            <p:nvPr/>
+          </p:nvSpPr>
+          <p:spPr>
+            <a:xfrm>
+              <a:off x="509082" y="416268"/>
+              <a:ext cx="11400201" cy="5888150"/>
+            </a:xfrm>
+            <a:custGeom>
+              <a:avLst/>
+              <a:gdLst>
+                <a:gd name="connsiteX0" fmla="*/ 0 w 11400201"/>
+                <a:gd name="connsiteY0" fmla="*/ 1415106 h 5888150"/>
+                <a:gd name="connsiteX1" fmla="*/ 11400201 w 11400201"/>
+                <a:gd name="connsiteY1" fmla="*/ 0 h 5888150"/>
+                <a:gd name="connsiteX2" fmla="*/ 6343367 w 11400201"/>
+                <a:gd name="connsiteY2" fmla="*/ 5165689 h 5888150"/>
+                <a:gd name="connsiteX3" fmla="*/ 5264684 w 11400201"/>
+                <a:gd name="connsiteY3" fmla="*/ 4413649 h 5888150"/>
+                <a:gd name="connsiteX4" fmla="*/ 3226111 w 11400201"/>
+                <a:gd name="connsiteY4" fmla="*/ 5888151 h 5888150"/>
+                <a:gd name="connsiteX5" fmla="*/ 2642242 w 11400201"/>
+                <a:gd name="connsiteY5" fmla="*/ 2493789 h 5888150"/>
+              </a:gdLst>
+              <a:ahLst/>
+              <a:cxnLst>
+                <a:cxn ang="0">
+                  <a:pos x="connsiteX0" y="connsiteY0"/>
+                </a:cxn>
+                <a:cxn ang="0">
+                  <a:pos x="connsiteX1" y="connsiteY1"/>
+                </a:cxn>
+                <a:cxn ang="0">
+                  <a:pos x="connsiteX2" y="connsiteY2"/>
+                </a:cxn>
+                <a:cxn ang="0">
+                  <a:pos x="connsiteX3" y="connsiteY3"/>
+                </a:cxn>
+                <a:cxn ang="0">
+                  <a:pos x="connsiteX4" y="connsiteY4"/>
+                </a:cxn>
+                <a:cxn ang="0">
+                  <a:pos x="connsiteX5" y="connsiteY5"/>
+                </a:cxn>
+              </a:cxnLst>
+              <a:rect l="l" t="t" r="r" b="b"/>
+              <a:pathLst>
+                <a:path w="11400201" h="5888150">
+                  <a:moveTo>
+                    <a:pt x="0" y="1415106"/>
+                  </a:moveTo>
+                  <a:lnTo>
+                    <a:pt x="11400201" y="0"/>
+                  </a:lnTo>
+                  <a:lnTo>
+                    <a:pt x="6343367" y="5165689"/>
+                  </a:lnTo>
+                  <a:lnTo>
+                    <a:pt x="5264684" y="4413649"/>
+                  </a:lnTo>
+                  <a:lnTo>
+                    <a:pt x="3226111" y="5888151"/>
+                  </a:lnTo>
+                  <a:lnTo>
+                    <a:pt x="2642242" y="2493789"/>
+                  </a:lnTo>
+                  <a:close/>
+                </a:path>
+              </a:pathLst>
+            </a:custGeom>
+            <a:solidFill>
+              <a:schemeClr val="accent5">
+                <a:lumMod val="60000"/>
+                <a:lumOff val="40000"/>
+              </a:schemeClr>
+            </a:solidFill>
+            <a:ln w="8016" cap="flat">
+              <a:noFill/>
+              <a:prstDash val="solid"/>
+              <a:miter/>
+            </a:ln>
+          </p:spPr>
+          <p:txBody>
+            <a:bodyPr rtlCol="0" anchor="ctr"/>
+            <a:lstStyle/>
+            <a:p>
+              <a:endParaRPr lang="en-US" dirty="0"/>
+            </a:p>
+          </p:txBody>
+        </p:sp>
+        <p:sp>
+          <p:nvSpPr>
+            <p:cNvPr id="9" name="Freeform: Shape 8">
+              <a:extLst>
+                <a:ext uri="{FF2B5EF4-FFF2-40B4-BE49-F238E27FC236}">
+                  <a16:creationId xmlns:a16="http://schemas.microsoft.com/office/drawing/2014/main" id="{17EF4FFB-6AC9-4DF9-97D3-709ACEC7CD33}"/>
+                </a:ext>
+              </a:extLst>
+            </p:cNvPr>
+            <p:cNvSpPr/>
+            <p:nvPr/>
+          </p:nvSpPr>
+          <p:spPr>
+            <a:xfrm>
+              <a:off x="0" y="30309"/>
+              <a:ext cx="12191759" cy="6798583"/>
+            </a:xfrm>
+            <a:custGeom>
+              <a:avLst/>
+              <a:gdLst>
+                <a:gd name="connsiteX0" fmla="*/ 12191759 w 12191759"/>
+                <a:gd name="connsiteY0" fmla="*/ 0 h 6798583"/>
+                <a:gd name="connsiteX1" fmla="*/ 12191759 w 12191759"/>
+                <a:gd name="connsiteY1" fmla="*/ 6798584 h 6798583"/>
+                <a:gd name="connsiteX2" fmla="*/ 0 w 12191759"/>
+                <a:gd name="connsiteY2" fmla="*/ 6798584 h 6798583"/>
+                <a:gd name="connsiteX3" fmla="*/ 0 w 12191759"/>
+                <a:gd name="connsiteY3" fmla="*/ 0 h 6798583"/>
+              </a:gdLst>
+              <a:ahLst/>
+              <a:cxnLst>
+                <a:cxn ang="0">
+                  <a:pos x="connsiteX0" y="connsiteY0"/>
+                </a:cxn>
+                <a:cxn ang="0">
+                  <a:pos x="connsiteX1" y="connsiteY1"/>
+                </a:cxn>
+                <a:cxn ang="0">
+                  <a:pos x="connsiteX2" y="connsiteY2"/>
+                </a:cxn>
+                <a:cxn ang="0">
+                  <a:pos x="connsiteX3" y="connsiteY3"/>
+                </a:cxn>
+              </a:cxnLst>
+              <a:rect l="l" t="t" r="r" b="b"/>
+              <a:pathLst>
+                <a:path w="12191759" h="6798583">
+                  <a:moveTo>
+                    <a:pt x="12191759" y="0"/>
+                  </a:moveTo>
+                  <a:lnTo>
+                    <a:pt x="12191759" y="6798584"/>
+                  </a:lnTo>
+                  <a:lnTo>
+                    <a:pt x="0" y="6798584"/>
+                  </a:lnTo>
+                  <a:lnTo>
+                    <a:pt x="0" y="0"/>
+                  </a:lnTo>
+                </a:path>
+              </a:pathLst>
+            </a:custGeom>
+            <a:noFill/>
+            <a:ln w="8016" cap="flat">
+              <a:noFill/>
+              <a:prstDash val="solid"/>
+              <a:miter/>
+            </a:ln>
+          </p:spPr>
+          <p:txBody>
+            <a:bodyPr rtlCol="0" anchor="ctr"/>
+            <a:lstStyle/>
+            <a:p>
+              <a:endParaRPr lang="en-US" dirty="0"/>
+            </a:p>
+          </p:txBody>
+        </p:sp>
+        <p:sp>
+          <p:nvSpPr>
+            <p:cNvPr id="10" name="Freeform: Shape 9">
+              <a:extLst>
+                <a:ext uri="{FF2B5EF4-FFF2-40B4-BE49-F238E27FC236}">
+                  <a16:creationId xmlns:a16="http://schemas.microsoft.com/office/drawing/2014/main" id="{5934C86E-EAD9-7582-13AF-A478F46AC34D}"/>
+                </a:ext>
+              </a:extLst>
+            </p:cNvPr>
+            <p:cNvSpPr/>
+            <p:nvPr/>
+          </p:nvSpPr>
+          <p:spPr>
+            <a:xfrm>
+              <a:off x="3151323" y="445927"/>
+              <a:ext cx="8678844" cy="5799095"/>
+            </a:xfrm>
+            <a:custGeom>
+              <a:avLst/>
+              <a:gdLst>
+                <a:gd name="connsiteX0" fmla="*/ 8678844 w 8678844"/>
+                <a:gd name="connsiteY0" fmla="*/ 0 h 5799095"/>
+                <a:gd name="connsiteX1" fmla="*/ 0 w 8678844"/>
+                <a:gd name="connsiteY1" fmla="*/ 2464131 h 5799095"/>
+                <a:gd name="connsiteX2" fmla="*/ 583869 w 8678844"/>
+                <a:gd name="connsiteY2" fmla="*/ 5799096 h 5799095"/>
+                <a:gd name="connsiteX3" fmla="*/ 791718 w 8678844"/>
+                <a:gd name="connsiteY3" fmla="*/ 3077659 h 5799095"/>
+              </a:gdLst>
+              <a:ahLst/>
+              <a:cxnLst>
+                <a:cxn ang="0">
+                  <a:pos x="connsiteX0" y="connsiteY0"/>
+                </a:cxn>
+                <a:cxn ang="0">
+                  <a:pos x="connsiteX1" y="connsiteY1"/>
+                </a:cxn>
+                <a:cxn ang="0">
+                  <a:pos x="connsiteX2" y="connsiteY2"/>
+                </a:cxn>
+                <a:cxn ang="0">
+                  <a:pos x="connsiteX3" y="connsiteY3"/>
+                </a:cxn>
+              </a:cxnLst>
+              <a:rect l="l" t="t" r="r" b="b"/>
+              <a:pathLst>
+                <a:path w="8678844" h="5799095">
+                  <a:moveTo>
+                    <a:pt x="8678844" y="0"/>
+                  </a:moveTo>
+                  <a:lnTo>
+                    <a:pt x="0" y="2464131"/>
+                  </a:lnTo>
+                  <a:lnTo>
+                    <a:pt x="583869" y="5799096"/>
+                  </a:lnTo>
+                  <a:lnTo>
+                    <a:pt x="791718" y="3077659"/>
+                  </a:lnTo>
+                  <a:close/>
+                </a:path>
+              </a:pathLst>
+            </a:custGeom>
+            <a:solidFill>
+              <a:schemeClr val="accent1">
+                <a:lumMod val="60000"/>
+                <a:lumOff val="40000"/>
+              </a:schemeClr>
+            </a:solidFill>
+            <a:ln w="8016" cap="flat">
+              <a:noFill/>
+              <a:prstDash val="solid"/>
+              <a:miter/>
+            </a:ln>
+          </p:spPr>
+          <p:txBody>
+            <a:bodyPr rtlCol="0" anchor="ctr"/>
+            <a:lstStyle/>
+            <a:p>
+              <a:endParaRPr lang="en-US" dirty="0"/>
+            </a:p>
+          </p:txBody>
+        </p:sp>
+        <p:sp>
+          <p:nvSpPr>
+            <p:cNvPr id="11" name="Freeform: Shape 10">
+              <a:extLst>
+                <a:ext uri="{FF2B5EF4-FFF2-40B4-BE49-F238E27FC236}">
+                  <a16:creationId xmlns:a16="http://schemas.microsoft.com/office/drawing/2014/main" id="{8502FE32-B47D-1C46-9A6C-CD32D36816E1}"/>
+                </a:ext>
+              </a:extLst>
+            </p:cNvPr>
+            <p:cNvSpPr/>
+            <p:nvPr/>
+          </p:nvSpPr>
+          <p:spPr>
+            <a:xfrm>
+              <a:off x="3735192" y="3523585"/>
+              <a:ext cx="2038572" cy="2780834"/>
+            </a:xfrm>
+            <a:custGeom>
+              <a:avLst/>
+              <a:gdLst>
+                <a:gd name="connsiteX0" fmla="*/ 2038573 w 2038572"/>
+                <a:gd name="connsiteY0" fmla="*/ 1306332 h 2780834"/>
+                <a:gd name="connsiteX1" fmla="*/ 0 w 2038572"/>
+                <a:gd name="connsiteY1" fmla="*/ 2780834 h 2780834"/>
+                <a:gd name="connsiteX2" fmla="*/ 207849 w 2038572"/>
+                <a:gd name="connsiteY2" fmla="*/ 0 h 2780834"/>
+              </a:gdLst>
+              <a:ahLst/>
+              <a:cxnLst>
+                <a:cxn ang="0">
+                  <a:pos x="connsiteX0" y="connsiteY0"/>
+                </a:cxn>
+                <a:cxn ang="0">
+                  <a:pos x="connsiteX1" y="connsiteY1"/>
+                </a:cxn>
+                <a:cxn ang="0">
+                  <a:pos x="connsiteX2" y="connsiteY2"/>
+                </a:cxn>
+              </a:cxnLst>
+              <a:rect l="l" t="t" r="r" b="b"/>
+              <a:pathLst>
+                <a:path w="2038572" h="2780834">
+                  <a:moveTo>
+                    <a:pt x="2038573" y="1306332"/>
+                  </a:moveTo>
+                  <a:lnTo>
+                    <a:pt x="0" y="2780834"/>
+                  </a:lnTo>
+                  <a:lnTo>
+                    <a:pt x="207849" y="0"/>
+                  </a:lnTo>
+                  <a:close/>
+                </a:path>
+              </a:pathLst>
+            </a:custGeom>
+            <a:solidFill>
+              <a:schemeClr val="accent5">
+                <a:lumMod val="60000"/>
+                <a:lumOff val="40000"/>
+              </a:schemeClr>
+            </a:solidFill>
+            <a:ln w="8016" cap="flat">
+              <a:noFill/>
+              <a:prstDash val="solid"/>
+              <a:miter/>
+            </a:ln>
+          </p:spPr>
+          <p:txBody>
+            <a:bodyPr rtlCol="0" anchor="ctr"/>
+            <a:lstStyle/>
+            <a:p>
+              <a:endParaRPr lang="en-US" dirty="0"/>
+            </a:p>
+          </p:txBody>
+        </p:sp>
+      </p:grpSp>
+      <p:grpSp>
+        <p:nvGrpSpPr>
+          <p:cNvPr id="12" name="Group 11">
+            <a:extLst>
+              <a:ext uri="{FF2B5EF4-FFF2-40B4-BE49-F238E27FC236}">
+                <a16:creationId xmlns:a16="http://schemas.microsoft.com/office/drawing/2014/main" id="{9A5337CC-955F-96CA-A6D8-017FFFBEF596}"/>
+              </a:ext>
+            </a:extLst>
+          </p:cNvPr>
+          <p:cNvGrpSpPr/>
+          <p:nvPr/>
+        </p:nvGrpSpPr>
+        <p:grpSpPr>
+          <a:xfrm rot="3864745" flipH="1" flipV="1">
+            <a:off x="2335224" y="1155546"/>
+            <a:ext cx="717983" cy="611934"/>
+            <a:chOff x="0" y="30309"/>
+            <a:chExt cx="12191759" cy="6798583"/>
+          </a:xfrm>
+        </p:grpSpPr>
+        <p:sp>
+          <p:nvSpPr>
+            <p:cNvPr id="13" name="Freeform: Shape 12">
+              <a:extLst>
+                <a:ext uri="{FF2B5EF4-FFF2-40B4-BE49-F238E27FC236}">
+                  <a16:creationId xmlns:a16="http://schemas.microsoft.com/office/drawing/2014/main" id="{0426CB54-76C8-A33E-22EB-F70D0661DF74}"/>
+                </a:ext>
+              </a:extLst>
+            </p:cNvPr>
+            <p:cNvSpPr/>
+            <p:nvPr/>
+          </p:nvSpPr>
+          <p:spPr>
+            <a:xfrm>
+              <a:off x="509082" y="416268"/>
+              <a:ext cx="11400201" cy="5888150"/>
+            </a:xfrm>
+            <a:custGeom>
+              <a:avLst/>
+              <a:gdLst>
+                <a:gd name="connsiteX0" fmla="*/ 0 w 11400201"/>
+                <a:gd name="connsiteY0" fmla="*/ 1415106 h 5888150"/>
+                <a:gd name="connsiteX1" fmla="*/ 11400201 w 11400201"/>
+                <a:gd name="connsiteY1" fmla="*/ 0 h 5888150"/>
+                <a:gd name="connsiteX2" fmla="*/ 6343367 w 11400201"/>
+                <a:gd name="connsiteY2" fmla="*/ 5165689 h 5888150"/>
+                <a:gd name="connsiteX3" fmla="*/ 5264684 w 11400201"/>
+                <a:gd name="connsiteY3" fmla="*/ 4413649 h 5888150"/>
+                <a:gd name="connsiteX4" fmla="*/ 3226111 w 11400201"/>
+                <a:gd name="connsiteY4" fmla="*/ 5888151 h 5888150"/>
+                <a:gd name="connsiteX5" fmla="*/ 2642242 w 11400201"/>
+                <a:gd name="connsiteY5" fmla="*/ 2493789 h 5888150"/>
+              </a:gdLst>
+              <a:ahLst/>
+              <a:cxnLst>
+                <a:cxn ang="0">
+                  <a:pos x="connsiteX0" y="connsiteY0"/>
+                </a:cxn>
+                <a:cxn ang="0">
+                  <a:pos x="connsiteX1" y="connsiteY1"/>
+                </a:cxn>
+                <a:cxn ang="0">
+                  <a:pos x="connsiteX2" y="connsiteY2"/>
+                </a:cxn>
+                <a:cxn ang="0">
+                  <a:pos x="connsiteX3" y="connsiteY3"/>
+                </a:cxn>
+                <a:cxn ang="0">
+                  <a:pos x="connsiteX4" y="connsiteY4"/>
+                </a:cxn>
+                <a:cxn ang="0">
+                  <a:pos x="connsiteX5" y="connsiteY5"/>
+                </a:cxn>
+              </a:cxnLst>
+              <a:rect l="l" t="t" r="r" b="b"/>
+              <a:pathLst>
+                <a:path w="11400201" h="5888150">
+                  <a:moveTo>
+                    <a:pt x="0" y="1415106"/>
+                  </a:moveTo>
+                  <a:lnTo>
+                    <a:pt x="11400201" y="0"/>
+                  </a:lnTo>
+                  <a:lnTo>
+                    <a:pt x="6343367" y="5165689"/>
+                  </a:lnTo>
+                  <a:lnTo>
+                    <a:pt x="5264684" y="4413649"/>
+                  </a:lnTo>
+                  <a:lnTo>
+                    <a:pt x="3226111" y="5888151"/>
+                  </a:lnTo>
+                  <a:lnTo>
+                    <a:pt x="2642242" y="2493789"/>
+                  </a:lnTo>
+                  <a:close/>
+                </a:path>
+              </a:pathLst>
+            </a:custGeom>
+            <a:solidFill>
+              <a:schemeClr val="accent5">
+                <a:lumMod val="60000"/>
+                <a:lumOff val="40000"/>
+              </a:schemeClr>
+            </a:solidFill>
+            <a:ln w="8016" cap="flat">
+              <a:noFill/>
+              <a:prstDash val="solid"/>
+              <a:miter/>
+            </a:ln>
+          </p:spPr>
+          <p:txBody>
+            <a:bodyPr rtlCol="0" anchor="ctr"/>
+            <a:lstStyle/>
+            <a:p>
+              <a:endParaRPr lang="en-US" dirty="0"/>
+            </a:p>
+          </p:txBody>
+        </p:sp>
+        <p:sp>
+          <p:nvSpPr>
+            <p:cNvPr id="14" name="Freeform: Shape 13">
+              <a:extLst>
+                <a:ext uri="{FF2B5EF4-FFF2-40B4-BE49-F238E27FC236}">
+                  <a16:creationId xmlns:a16="http://schemas.microsoft.com/office/drawing/2014/main" id="{6CF706E8-260F-F50A-165F-AEDFD03A4963}"/>
+                </a:ext>
+              </a:extLst>
+            </p:cNvPr>
+            <p:cNvSpPr/>
+            <p:nvPr/>
+          </p:nvSpPr>
+          <p:spPr>
+            <a:xfrm>
+              <a:off x="0" y="30309"/>
+              <a:ext cx="12191759" cy="6798583"/>
+            </a:xfrm>
+            <a:custGeom>
+              <a:avLst/>
+              <a:gdLst>
+                <a:gd name="connsiteX0" fmla="*/ 12191759 w 12191759"/>
+                <a:gd name="connsiteY0" fmla="*/ 0 h 6798583"/>
+                <a:gd name="connsiteX1" fmla="*/ 12191759 w 12191759"/>
+                <a:gd name="connsiteY1" fmla="*/ 6798584 h 6798583"/>
+                <a:gd name="connsiteX2" fmla="*/ 0 w 12191759"/>
+                <a:gd name="connsiteY2" fmla="*/ 6798584 h 6798583"/>
+                <a:gd name="connsiteX3" fmla="*/ 0 w 12191759"/>
+                <a:gd name="connsiteY3" fmla="*/ 0 h 6798583"/>
+              </a:gdLst>
+              <a:ahLst/>
+              <a:cxnLst>
+                <a:cxn ang="0">
+                  <a:pos x="connsiteX0" y="connsiteY0"/>
+                </a:cxn>
+                <a:cxn ang="0">
+                  <a:pos x="connsiteX1" y="connsiteY1"/>
+                </a:cxn>
+                <a:cxn ang="0">
+                  <a:pos x="connsiteX2" y="connsiteY2"/>
+                </a:cxn>
+                <a:cxn ang="0">
+                  <a:pos x="connsiteX3" y="connsiteY3"/>
+                </a:cxn>
+              </a:cxnLst>
+              <a:rect l="l" t="t" r="r" b="b"/>
+              <a:pathLst>
+                <a:path w="12191759" h="6798583">
+                  <a:moveTo>
+                    <a:pt x="12191759" y="0"/>
+                  </a:moveTo>
+                  <a:lnTo>
+                    <a:pt x="12191759" y="6798584"/>
+                  </a:lnTo>
+                  <a:lnTo>
+                    <a:pt x="0" y="6798584"/>
+                  </a:lnTo>
+                  <a:lnTo>
+                    <a:pt x="0" y="0"/>
+                  </a:lnTo>
+                </a:path>
+              </a:pathLst>
+            </a:custGeom>
+            <a:noFill/>
+            <a:ln w="8016" cap="flat">
+              <a:noFill/>
+              <a:prstDash val="solid"/>
+              <a:miter/>
+            </a:ln>
+          </p:spPr>
+          <p:txBody>
+            <a:bodyPr rtlCol="0" anchor="ctr"/>
+            <a:lstStyle/>
+            <a:p>
+              <a:endParaRPr lang="en-US" dirty="0"/>
+            </a:p>
+          </p:txBody>
+        </p:sp>
+        <p:sp>
+          <p:nvSpPr>
+            <p:cNvPr id="15" name="Freeform: Shape 14">
+              <a:extLst>
+                <a:ext uri="{FF2B5EF4-FFF2-40B4-BE49-F238E27FC236}">
+                  <a16:creationId xmlns:a16="http://schemas.microsoft.com/office/drawing/2014/main" id="{45965149-06EF-B854-E30B-751C8F35BDF8}"/>
+                </a:ext>
+              </a:extLst>
+            </p:cNvPr>
+            <p:cNvSpPr/>
+            <p:nvPr/>
+          </p:nvSpPr>
+          <p:spPr>
+            <a:xfrm>
+              <a:off x="3151323" y="445927"/>
+              <a:ext cx="8678844" cy="5799095"/>
+            </a:xfrm>
+            <a:custGeom>
+              <a:avLst/>
+              <a:gdLst>
+                <a:gd name="connsiteX0" fmla="*/ 8678844 w 8678844"/>
+                <a:gd name="connsiteY0" fmla="*/ 0 h 5799095"/>
+                <a:gd name="connsiteX1" fmla="*/ 0 w 8678844"/>
+                <a:gd name="connsiteY1" fmla="*/ 2464131 h 5799095"/>
+                <a:gd name="connsiteX2" fmla="*/ 583869 w 8678844"/>
+                <a:gd name="connsiteY2" fmla="*/ 5799096 h 5799095"/>
+                <a:gd name="connsiteX3" fmla="*/ 791718 w 8678844"/>
+                <a:gd name="connsiteY3" fmla="*/ 3077659 h 5799095"/>
+              </a:gdLst>
+              <a:ahLst/>
+              <a:cxnLst>
+                <a:cxn ang="0">
+                  <a:pos x="connsiteX0" y="connsiteY0"/>
+                </a:cxn>
+                <a:cxn ang="0">
+                  <a:pos x="connsiteX1" y="connsiteY1"/>
+                </a:cxn>
+                <a:cxn ang="0">
+                  <a:pos x="connsiteX2" y="connsiteY2"/>
+                </a:cxn>
+                <a:cxn ang="0">
+                  <a:pos x="connsiteX3" y="connsiteY3"/>
+                </a:cxn>
+              </a:cxnLst>
+              <a:rect l="l" t="t" r="r" b="b"/>
+              <a:pathLst>
+                <a:path w="8678844" h="5799095">
+                  <a:moveTo>
+                    <a:pt x="8678844" y="0"/>
+                  </a:moveTo>
+                  <a:lnTo>
+                    <a:pt x="0" y="2464131"/>
+                  </a:lnTo>
+                  <a:lnTo>
+                    <a:pt x="583869" y="5799096"/>
+                  </a:lnTo>
+                  <a:lnTo>
+                    <a:pt x="791718" y="3077659"/>
+                  </a:lnTo>
+                  <a:close/>
+                </a:path>
+              </a:pathLst>
+            </a:custGeom>
+            <a:solidFill>
+              <a:schemeClr val="accent1">
+                <a:lumMod val="60000"/>
+                <a:lumOff val="40000"/>
+              </a:schemeClr>
+            </a:solidFill>
+            <a:ln w="8016" cap="flat">
+              <a:noFill/>
+              <a:prstDash val="solid"/>
+              <a:miter/>
+            </a:ln>
+          </p:spPr>
+          <p:txBody>
+            <a:bodyPr rtlCol="0" anchor="ctr"/>
+            <a:lstStyle/>
+            <a:p>
+              <a:endParaRPr lang="en-US" dirty="0"/>
+            </a:p>
+          </p:txBody>
+        </p:sp>
+        <p:sp>
+          <p:nvSpPr>
+            <p:cNvPr id="16" name="Freeform: Shape 15">
+              <a:extLst>
+                <a:ext uri="{FF2B5EF4-FFF2-40B4-BE49-F238E27FC236}">
+                  <a16:creationId xmlns:a16="http://schemas.microsoft.com/office/drawing/2014/main" id="{F57F483C-39F8-C830-9A85-0B40872491A9}"/>
+                </a:ext>
+              </a:extLst>
+            </p:cNvPr>
+            <p:cNvSpPr/>
+            <p:nvPr/>
+          </p:nvSpPr>
+          <p:spPr>
+            <a:xfrm>
+              <a:off x="3735192" y="3523585"/>
+              <a:ext cx="2038572" cy="2780834"/>
+            </a:xfrm>
+            <a:custGeom>
+              <a:avLst/>
+              <a:gdLst>
+                <a:gd name="connsiteX0" fmla="*/ 2038573 w 2038572"/>
+                <a:gd name="connsiteY0" fmla="*/ 1306332 h 2780834"/>
+                <a:gd name="connsiteX1" fmla="*/ 0 w 2038572"/>
+                <a:gd name="connsiteY1" fmla="*/ 2780834 h 2780834"/>
+                <a:gd name="connsiteX2" fmla="*/ 207849 w 2038572"/>
+                <a:gd name="connsiteY2" fmla="*/ 0 h 2780834"/>
+              </a:gdLst>
+              <a:ahLst/>
+              <a:cxnLst>
+                <a:cxn ang="0">
+                  <a:pos x="connsiteX0" y="connsiteY0"/>
+                </a:cxn>
+                <a:cxn ang="0">
+                  <a:pos x="connsiteX1" y="connsiteY1"/>
+                </a:cxn>
+                <a:cxn ang="0">
+                  <a:pos x="connsiteX2" y="connsiteY2"/>
+                </a:cxn>
+              </a:cxnLst>
+              <a:rect l="l" t="t" r="r" b="b"/>
+              <a:pathLst>
+                <a:path w="2038572" h="2780834">
+                  <a:moveTo>
+                    <a:pt x="2038573" y="1306332"/>
+                  </a:moveTo>
+                  <a:lnTo>
+                    <a:pt x="0" y="2780834"/>
+                  </a:lnTo>
+                  <a:lnTo>
+                    <a:pt x="207849" y="0"/>
+                  </a:lnTo>
+                  <a:close/>
+                </a:path>
+              </a:pathLst>
+            </a:custGeom>
+            <a:solidFill>
+              <a:schemeClr val="accent5">
+                <a:lumMod val="60000"/>
+                <a:lumOff val="40000"/>
+              </a:schemeClr>
+            </a:solidFill>
+            <a:ln w="8016" cap="flat">
+              <a:noFill/>
+              <a:prstDash val="solid"/>
+              <a:miter/>
+            </a:ln>
+          </p:spPr>
+          <p:txBody>
+            <a:bodyPr rtlCol="0" anchor="ctr"/>
+            <a:lstStyle/>
+            <a:p>
+              <a:endParaRPr lang="en-US" dirty="0"/>
+            </a:p>
+          </p:txBody>
+        </p:sp>
+      </p:grpSp>
+      <p:sp>
+        <p:nvSpPr>
+          <p:cNvPr id="3" name="TextBox 2">
+            <a:extLst>
+              <a:ext uri="{FF2B5EF4-FFF2-40B4-BE49-F238E27FC236}">
+                <a16:creationId xmlns:a16="http://schemas.microsoft.com/office/drawing/2014/main" id="{E61FCEDF-6828-2B80-83A9-92486D4FC1BE}"/>
+              </a:ext>
+            </a:extLst>
+          </p:cNvPr>
+          <p:cNvSpPr txBox="1"/>
+          <p:nvPr/>
+        </p:nvSpPr>
+        <p:spPr>
+          <a:xfrm>
+            <a:off x="3125222" y="848557"/>
+            <a:ext cx="1694046" cy="584775"/>
+          </a:xfrm>
+          <a:prstGeom prst="rect">
+            <a:avLst/>
+          </a:prstGeom>
+          <a:noFill/>
+        </p:spPr>
+        <p:txBody>
+          <a:bodyPr wrap="square" rtlCol="0">
+            <a:spAutoFit/>
+          </a:bodyPr>
+          <a:lstStyle/>
+          <a:p>
+            <a:r>
+              <a:rPr lang="fr-FR" sz="3200" dirty="0">
+                <a:ln w="0"/>
+                <a:solidFill>
+                  <a:schemeClr val="accent1"/>
+                </a:solidFill>
+                <a:effectLst>
+                  <a:outerShdw blurRad="38100" dist="25400" dir="5400000" algn="ctr" rotWithShape="0">
+                    <a:srgbClr val="6E747A">
+                      <a:alpha val="43000"/>
+                    </a:srgbClr>
+                  </a:outerShdw>
+                </a:effectLst>
+                <a:latin typeface="Cambria" panose="02040503050406030204" pitchFamily="18" charset="0"/>
+                <a:ea typeface="Cambria" panose="02040503050406030204" pitchFamily="18" charset="0"/>
+              </a:rPr>
+              <a:t>DOCKER</a:t>
+            </a:r>
+          </a:p>
+        </p:txBody>
+      </p:sp>
+      <p:sp>
+        <p:nvSpPr>
+          <p:cNvPr id="24" name="TextBox 23">
+            <a:extLst>
+              <a:ext uri="{FF2B5EF4-FFF2-40B4-BE49-F238E27FC236}">
+                <a16:creationId xmlns:a16="http://schemas.microsoft.com/office/drawing/2014/main" id="{8ABE6259-3A73-D50E-A29D-70CEB9430712}"/>
+              </a:ext>
+            </a:extLst>
+          </p:cNvPr>
+          <p:cNvSpPr txBox="1"/>
+          <p:nvPr/>
+        </p:nvSpPr>
+        <p:spPr>
+          <a:xfrm>
+            <a:off x="758729" y="3148607"/>
+            <a:ext cx="4621932" cy="830997"/>
+          </a:xfrm>
+          <a:prstGeom prst="rect">
+            <a:avLst/>
+          </a:prstGeom>
+          <a:noFill/>
+        </p:spPr>
+        <p:txBody>
+          <a:bodyPr wrap="square" rtlCol="0">
+            <a:spAutoFit/>
+          </a:bodyPr>
+          <a:lstStyle/>
+          <a:p>
+            <a:r>
+              <a:rPr lang="fr-FR" sz="1600" dirty="0">
+                <a:latin typeface="Cambria" panose="02040503050406030204" pitchFamily="18" charset="0"/>
+                <a:ea typeface="Cambria" panose="02040503050406030204" pitchFamily="18" charset="0"/>
+              </a:rPr>
+              <a:t>Outil qui permet une application flexible , exploitable sur divers systèmes et sans problème de dépendances.</a:t>
+            </a:r>
+          </a:p>
+        </p:txBody>
+      </p:sp>
+      <p:sp>
+        <p:nvSpPr>
+          <p:cNvPr id="25" name="Arrow: Right 24">
+            <a:extLst>
+              <a:ext uri="{FF2B5EF4-FFF2-40B4-BE49-F238E27FC236}">
+                <a16:creationId xmlns:a16="http://schemas.microsoft.com/office/drawing/2014/main" id="{58DA2B45-3C2E-9C3D-DB9F-50FDD8D6F879}"/>
+              </a:ext>
+            </a:extLst>
+          </p:cNvPr>
+          <p:cNvSpPr/>
+          <p:nvPr/>
+        </p:nvSpPr>
+        <p:spPr>
+          <a:xfrm>
+            <a:off x="3774245" y="2154603"/>
+            <a:ext cx="1188589" cy="369332"/>
+          </a:xfrm>
+          <a:prstGeom prst="rightArrow">
+            <a:avLst/>
+          </a:prstGeom>
+        </p:spPr>
+        <p:style>
+          <a:lnRef idx="1">
+            <a:schemeClr val="accent1"/>
+          </a:lnRef>
+          <a:fillRef idx="2">
+            <a:schemeClr val="accent1"/>
+          </a:fillRef>
+          <a:effectRef idx="1">
+            <a:schemeClr val="accent1"/>
+          </a:effectRef>
+          <a:fontRef idx="minor">
+            <a:schemeClr val="dk1"/>
+          </a:fontRef>
+        </p:style>
+        <p:txBody>
+          <a:bodyPr rtlCol="0" anchor="ctr"/>
+          <a:lstStyle/>
+          <a:p>
+            <a:pPr algn="ctr"/>
+            <a:endParaRPr lang="fr-FR" dirty="0"/>
+          </a:p>
+        </p:txBody>
+      </p:sp>
+      <p:sp>
+        <p:nvSpPr>
+          <p:cNvPr id="26" name="TextBox 25">
+            <a:extLst>
+              <a:ext uri="{FF2B5EF4-FFF2-40B4-BE49-F238E27FC236}">
+                <a16:creationId xmlns:a16="http://schemas.microsoft.com/office/drawing/2014/main" id="{9B1D0EA3-A4B8-B816-3CB8-DD624DBE7313}"/>
+              </a:ext>
+            </a:extLst>
+          </p:cNvPr>
+          <p:cNvSpPr txBox="1"/>
+          <p:nvPr/>
+        </p:nvSpPr>
+        <p:spPr>
+          <a:xfrm>
+            <a:off x="6293224" y="2031265"/>
+            <a:ext cx="4581589" cy="461665"/>
+          </a:xfrm>
+          <a:prstGeom prst="rect">
+            <a:avLst/>
+          </a:prstGeom>
+          <a:noFill/>
+        </p:spPr>
+        <p:txBody>
+          <a:bodyPr wrap="square" rtlCol="0">
+            <a:spAutoFit/>
+            <a:scene3d>
+              <a:camera prst="perspectiveFront"/>
+              <a:lightRig rig="threePt" dir="t"/>
+            </a:scene3d>
+          </a:bodyPr>
+          <a:lstStyle/>
+          <a:p>
+            <a:pPr algn="ctr"/>
+            <a:r>
+              <a:rPr lang="fr-FR" sz="2400" dirty="0">
+                <a:ln w="0"/>
+                <a:solidFill>
+                  <a:schemeClr val="accent1"/>
+                </a:solidFill>
+                <a:effectLst>
+                  <a:outerShdw blurRad="50800" dist="38100" dir="18900000" algn="bl" rotWithShape="0">
+                    <a:prstClr val="black">
+                      <a:alpha val="40000"/>
+                    </a:prstClr>
+                  </a:outerShdw>
+                </a:effectLst>
+                <a:latin typeface="Cambria" panose="02040503050406030204" pitchFamily="18" charset="0"/>
+                <a:ea typeface="Cambria" panose="02040503050406030204" pitchFamily="18" charset="0"/>
+              </a:rPr>
+              <a:t>Conteneurisation</a:t>
+            </a:r>
+            <a:endParaRPr lang="fr-FR" sz="2400" dirty="0">
+              <a:ln w="0"/>
+              <a:solidFill>
+                <a:schemeClr val="accent1"/>
+              </a:solidFill>
+              <a:effectLst>
+                <a:outerShdw blurRad="50800" dist="38100" dir="2700000" algn="tl" rotWithShape="0">
+                  <a:prstClr val="black">
+                    <a:alpha val="40000"/>
+                  </a:prstClr>
+                </a:outerShdw>
+              </a:effectLst>
+              <a:latin typeface="Cambria" panose="02040503050406030204" pitchFamily="18" charset="0"/>
+              <a:ea typeface="Cambria" panose="02040503050406030204" pitchFamily="18" charset="0"/>
+            </a:endParaRPr>
+          </a:p>
+        </p:txBody>
+      </p:sp>
+      <p:sp>
+        <p:nvSpPr>
+          <p:cNvPr id="27" name="TextBox 26">
+            <a:extLst>
+              <a:ext uri="{FF2B5EF4-FFF2-40B4-BE49-F238E27FC236}">
+                <a16:creationId xmlns:a16="http://schemas.microsoft.com/office/drawing/2014/main" id="{7C8CD079-62E6-1D53-2090-A983B5D2883D}"/>
+              </a:ext>
+            </a:extLst>
+          </p:cNvPr>
+          <p:cNvSpPr txBox="1"/>
+          <p:nvPr/>
+        </p:nvSpPr>
+        <p:spPr>
+          <a:xfrm>
+            <a:off x="6468035" y="2523935"/>
+            <a:ext cx="5414563" cy="830997"/>
+          </a:xfrm>
+          <a:prstGeom prst="rect">
+            <a:avLst/>
+          </a:prstGeom>
+          <a:noFill/>
+        </p:spPr>
+        <p:txBody>
+          <a:bodyPr wrap="square" rtlCol="0">
+            <a:spAutoFit/>
+          </a:bodyPr>
+          <a:lstStyle/>
+          <a:p>
+            <a:pPr marL="285750" indent="-285750">
+              <a:buFont typeface="Arial" panose="020B0604020202020204" pitchFamily="34" charset="0"/>
+              <a:buChar char="•"/>
+            </a:pPr>
+            <a:r>
+              <a:rPr lang="fr-FR" sz="1600" dirty="0">
+                <a:latin typeface="Cambria" panose="02040503050406030204" pitchFamily="18" charset="0"/>
+                <a:ea typeface="Cambria" panose="02040503050406030204" pitchFamily="18" charset="0"/>
+              </a:rPr>
+              <a:t>Conteneur = image = environnement d’exécution de l’application</a:t>
+            </a:r>
+          </a:p>
+          <a:p>
+            <a:pPr marL="285750" indent="-285750">
+              <a:buFont typeface="Arial" panose="020B0604020202020204" pitchFamily="34" charset="0"/>
+              <a:buChar char="•"/>
+            </a:pPr>
+            <a:r>
+              <a:rPr lang="fr-FR" sz="1600" dirty="0">
+                <a:latin typeface="Cambria" panose="02040503050406030204" pitchFamily="18" charset="0"/>
+                <a:ea typeface="Cambria" panose="02040503050406030204" pitchFamily="18" charset="0"/>
+              </a:rPr>
+              <a:t>Cet environnement est créé depuis un Dockerfile </a:t>
+            </a:r>
+          </a:p>
+        </p:txBody>
+      </p:sp>
+      <p:pic>
+        <p:nvPicPr>
+          <p:cNvPr id="6" name="Picture 5" descr="A picture containing graphics, logo, font, graphic design&#10;&#10;Description automatically generated">
+            <a:extLst>
+              <a:ext uri="{FF2B5EF4-FFF2-40B4-BE49-F238E27FC236}">
+                <a16:creationId xmlns:a16="http://schemas.microsoft.com/office/drawing/2014/main" id="{BB6FAA6E-5290-9666-823D-5EF4BBCD4093}"/>
+              </a:ext>
+            </a:extLst>
+          </p:cNvPr>
+          <p:cNvPicPr>
+            <a:picLocks noChangeAspect="1"/>
+          </p:cNvPicPr>
+          <p:nvPr/>
+        </p:nvPicPr>
+        <p:blipFill>
+          <a:blip r:embed="rId2">
+            <a:extLst>
+              <a:ext uri="{28A0092B-C50C-407E-A947-70E740481C1C}">
+                <a14:useLocalDpi xmlns:a14="http://schemas.microsoft.com/office/drawing/2010/main" val="0"/>
+              </a:ext>
+            </a:extLst>
+          </a:blip>
+          <a:stretch>
+            <a:fillRect/>
+          </a:stretch>
+        </p:blipFill>
+        <p:spPr>
+          <a:xfrm>
+            <a:off x="1317187" y="1875398"/>
+            <a:ext cx="1322676" cy="1131712"/>
+          </a:xfrm>
+          <a:prstGeom prst="rect">
+            <a:avLst/>
+          </a:prstGeom>
+        </p:spPr>
+      </p:pic>
+      <p:sp>
+        <p:nvSpPr>
+          <p:cNvPr id="17" name="Arrow: Right 16">
+            <a:extLst>
+              <a:ext uri="{FF2B5EF4-FFF2-40B4-BE49-F238E27FC236}">
+                <a16:creationId xmlns:a16="http://schemas.microsoft.com/office/drawing/2014/main" id="{7E0BF835-A3A7-CE9E-DFD3-7A38CBFB1375}"/>
+              </a:ext>
+            </a:extLst>
+          </p:cNvPr>
+          <p:cNvSpPr/>
+          <p:nvPr/>
+        </p:nvSpPr>
+        <p:spPr>
+          <a:xfrm>
+            <a:off x="3798950" y="4109634"/>
+            <a:ext cx="1188589" cy="369332"/>
+          </a:xfrm>
+          <a:prstGeom prst="rightArrow">
+            <a:avLst/>
+          </a:prstGeom>
+        </p:spPr>
+        <p:style>
+          <a:lnRef idx="1">
+            <a:schemeClr val="accent1"/>
+          </a:lnRef>
+          <a:fillRef idx="2">
+            <a:schemeClr val="accent1"/>
+          </a:fillRef>
+          <a:effectRef idx="1">
+            <a:schemeClr val="accent1"/>
+          </a:effectRef>
+          <a:fontRef idx="minor">
+            <a:schemeClr val="dk1"/>
+          </a:fontRef>
+        </p:style>
+        <p:txBody>
+          <a:bodyPr rtlCol="0" anchor="ctr"/>
+          <a:lstStyle/>
+          <a:p>
+            <a:pPr algn="ctr"/>
+            <a:endParaRPr lang="fr-FR" dirty="0"/>
+          </a:p>
+        </p:txBody>
+      </p:sp>
+      <p:sp>
+        <p:nvSpPr>
+          <p:cNvPr id="18" name="TextBox 17">
+            <a:extLst>
+              <a:ext uri="{FF2B5EF4-FFF2-40B4-BE49-F238E27FC236}">
+                <a16:creationId xmlns:a16="http://schemas.microsoft.com/office/drawing/2014/main" id="{787C4D08-39FA-1C59-8161-ED34FB2B7EFF}"/>
+              </a:ext>
+            </a:extLst>
+          </p:cNvPr>
+          <p:cNvSpPr txBox="1"/>
+          <p:nvPr/>
+        </p:nvSpPr>
+        <p:spPr>
+          <a:xfrm>
+            <a:off x="6293224" y="3878801"/>
+            <a:ext cx="4581589" cy="461665"/>
+          </a:xfrm>
+          <a:prstGeom prst="rect">
+            <a:avLst/>
+          </a:prstGeom>
+          <a:noFill/>
+        </p:spPr>
+        <p:txBody>
+          <a:bodyPr wrap="square" rtlCol="0">
+            <a:spAutoFit/>
+            <a:scene3d>
+              <a:camera prst="perspectiveFront"/>
+              <a:lightRig rig="threePt" dir="t"/>
+            </a:scene3d>
+          </a:bodyPr>
+          <a:lstStyle/>
+          <a:p>
+            <a:pPr algn="ctr"/>
+            <a:r>
+              <a:rPr lang="fr-FR" sz="2400" dirty="0">
+                <a:ln w="0"/>
+                <a:solidFill>
+                  <a:schemeClr val="accent1"/>
+                </a:solidFill>
+                <a:effectLst>
+                  <a:outerShdw blurRad="50800" dist="38100" dir="18900000" algn="bl" rotWithShape="0">
+                    <a:prstClr val="black">
+                      <a:alpha val="40000"/>
+                    </a:prstClr>
+                  </a:outerShdw>
+                </a:effectLst>
+                <a:latin typeface="Cambria" panose="02040503050406030204" pitchFamily="18" charset="0"/>
+                <a:ea typeface="Cambria" panose="02040503050406030204" pitchFamily="18" charset="0"/>
+              </a:rPr>
+              <a:t>Compose </a:t>
+            </a:r>
+            <a:endParaRPr lang="fr-FR" sz="2400" dirty="0">
+              <a:ln w="0"/>
+              <a:solidFill>
+                <a:schemeClr val="accent1"/>
+              </a:solidFill>
+              <a:effectLst>
+                <a:outerShdw blurRad="50800" dist="38100" dir="2700000" algn="tl" rotWithShape="0">
+                  <a:prstClr val="black">
+                    <a:alpha val="40000"/>
+                  </a:prstClr>
+                </a:outerShdw>
+              </a:effectLst>
+              <a:latin typeface="Cambria" panose="02040503050406030204" pitchFamily="18" charset="0"/>
+              <a:ea typeface="Cambria" panose="02040503050406030204" pitchFamily="18" charset="0"/>
+            </a:endParaRPr>
+          </a:p>
+        </p:txBody>
+      </p:sp>
+      <p:sp>
+        <p:nvSpPr>
+          <p:cNvPr id="19" name="TextBox 18">
+            <a:extLst>
+              <a:ext uri="{FF2B5EF4-FFF2-40B4-BE49-F238E27FC236}">
+                <a16:creationId xmlns:a16="http://schemas.microsoft.com/office/drawing/2014/main" id="{7CBE3EA1-CDAA-136D-CFC4-10F2BFE17892}"/>
+              </a:ext>
+            </a:extLst>
+          </p:cNvPr>
+          <p:cNvSpPr txBox="1"/>
+          <p:nvPr/>
+        </p:nvSpPr>
+        <p:spPr>
+          <a:xfrm>
+            <a:off x="6468034" y="4315205"/>
+            <a:ext cx="5414563" cy="830997"/>
+          </a:xfrm>
+          <a:prstGeom prst="rect">
+            <a:avLst/>
+          </a:prstGeom>
+          <a:noFill/>
+        </p:spPr>
+        <p:txBody>
+          <a:bodyPr wrap="square" rtlCol="0">
+            <a:spAutoFit/>
+          </a:bodyPr>
+          <a:lstStyle/>
+          <a:p>
+            <a:pPr marL="285750" indent="-285750">
+              <a:buFont typeface="Arial" panose="020B0604020202020204" pitchFamily="34" charset="0"/>
+              <a:buChar char="•"/>
+            </a:pPr>
+            <a:r>
+              <a:rPr lang="fr-FR" sz="1600" dirty="0">
+                <a:latin typeface="Cambria" panose="02040503050406030204" pitchFamily="18" charset="0"/>
+                <a:ea typeface="Cambria" panose="02040503050406030204" pitchFamily="18" charset="0"/>
+              </a:rPr>
+              <a:t>Il définit le mode de fonctionnement d’un conteneur</a:t>
+            </a:r>
+          </a:p>
+          <a:p>
+            <a:pPr marL="285750" indent="-285750">
+              <a:buFont typeface="Arial" panose="020B0604020202020204" pitchFamily="34" charset="0"/>
+              <a:buChar char="•"/>
+            </a:pPr>
+            <a:r>
+              <a:rPr lang="fr-FR" sz="1600" dirty="0">
+                <a:latin typeface="Cambria" panose="02040503050406030204" pitchFamily="18" charset="0"/>
+                <a:ea typeface="Cambria" panose="02040503050406030204" pitchFamily="18" charset="0"/>
+              </a:rPr>
+              <a:t>Module chargé de gérer les relations entre les différents conteneurs d’une application (via un pont ‘bridge ’)</a:t>
+            </a:r>
+          </a:p>
+        </p:txBody>
+      </p:sp>
+    </p:spTree>
+    <p:extLst>
+      <p:ext uri="{BB962C8B-B14F-4D97-AF65-F5344CB8AC3E}">
+        <p14:creationId xmlns:p14="http://schemas.microsoft.com/office/powerpoint/2010/main" val="3692886039"/>
+      </p:ext>
+    </p:extLst>
+  </p:cSld>
+  <p:clrMapOvr>
+    <a:masterClrMapping/>
+  </p:clrMapOvr>
+</p:sld>
+</file>
+
 <file path=ppt/slides/slide2.xml><?xml version="1.0" encoding="utf-8"?>
 <p:sld xmlns:a="http://schemas.openxmlformats.org/drawingml/2006/main" xmlns:r="http://schemas.openxmlformats.org/officeDocument/2006/relationships" xmlns:p="http://schemas.openxmlformats.org/presentationml/2006/main">
   <p:cSld>
@@ -20942,7 +22223,7 @@
         </p:nvGrpSpPr>
         <p:grpSpPr>
           <a:xfrm>
-            <a:off x="1166902" y="1918582"/>
+            <a:off x="9543670" y="4931847"/>
             <a:ext cx="2088369" cy="877654"/>
             <a:chOff x="5218241" y="517865"/>
             <a:chExt cx="1808059" cy="877654"/>
@@ -21060,8 +22341,9 @@
               <a:r>
                 <a:rPr lang="en-US" altLang="ko-KR" b="1" dirty="0">
                   <a:solidFill>
-                    <a:schemeClr val="tx2">
-                      <a:lumMod val="75000"/>
+                    <a:schemeClr val="accent5">
+                      <a:lumMod val="60000"/>
+                      <a:lumOff val="40000"/>
                     </a:schemeClr>
                   </a:solidFill>
                   <a:latin typeface="Cambria" panose="02040503050406030204" pitchFamily="18" charset="0"/>
@@ -21087,10 +22369,10 @@
         </p:nvGrpSpPr>
         <p:grpSpPr>
           <a:xfrm>
-            <a:off x="2714629" y="4979184"/>
-            <a:ext cx="2879347" cy="1625841"/>
+            <a:off x="7435246" y="2001171"/>
+            <a:ext cx="2879347" cy="1348843"/>
             <a:chOff x="5218241" y="818613"/>
-            <a:chExt cx="2492868" cy="1625841"/>
+            <a:chExt cx="2492868" cy="1348843"/>
           </a:xfrm>
         </p:grpSpPr>
         <p:sp>
@@ -21108,7 +22390,7 @@
           <p:spPr>
             <a:xfrm>
               <a:off x="5218241" y="1370699"/>
-              <a:ext cx="2492868" cy="1073755"/>
+              <a:ext cx="2492868" cy="796757"/>
             </a:xfrm>
             <a:prstGeom prst="rect">
               <a:avLst/>
@@ -21122,9 +22404,6 @@
             <a:lstStyle/>
             <a:p>
               <a:pPr marL="171450" indent="-171450">
-                <a:lnSpc>
-                  <a:spcPct val="150000"/>
-                </a:lnSpc>
                 <a:buFont typeface="Arial" panose="020B0604020202020204" pitchFamily="34" charset="0"/>
                 <a:buChar char="•"/>
               </a:pPr>
@@ -21144,9 +22423,6 @@
             </a:p>
             <a:p>
               <a:pPr marL="628650" lvl="1" indent="-171450">
-                <a:lnSpc>
-                  <a:spcPct val="150000"/>
-                </a:lnSpc>
                 <a:buFont typeface="Arial" panose="020B0604020202020204" pitchFamily="34" charset="0"/>
                 <a:buChar char="•"/>
               </a:pPr>
@@ -21166,9 +22442,6 @@
             </a:p>
             <a:p>
               <a:pPr marL="1085850" lvl="2" indent="-171450">
-                <a:lnSpc>
-                  <a:spcPct val="150000"/>
-                </a:lnSpc>
                 <a:buFont typeface="Arial" panose="020B0604020202020204" pitchFamily="34" charset="0"/>
                 <a:buChar char="•"/>
               </a:pPr>
@@ -21240,7 +22513,8 @@
                 <a:rPr lang="en-US" altLang="ko-KR" b="1" dirty="0">
                   <a:solidFill>
                     <a:schemeClr val="accent1">
-                      <a:lumMod val="75000"/>
+                      <a:lumMod val="60000"/>
+                      <a:lumOff val="40000"/>
                     </a:schemeClr>
                   </a:solidFill>
                   <a:latin typeface="Cambria" panose="02040503050406030204" pitchFamily="18" charset="0"/>
@@ -21252,7 +22526,8 @@
                 <a:rPr lang="fr-FR" altLang="ko-KR" b="1" dirty="0">
                   <a:solidFill>
                     <a:schemeClr val="accent1">
-                      <a:lumMod val="75000"/>
+                      <a:lumMod val="60000"/>
+                      <a:lumOff val="40000"/>
                     </a:schemeClr>
                   </a:solidFill>
                   <a:latin typeface="Cambria" panose="02040503050406030204" pitchFamily="18" charset="0"/>
@@ -21264,7 +22539,8 @@
                 <a:rPr lang="en-US" altLang="ko-KR" b="1" dirty="0">
                   <a:solidFill>
                     <a:schemeClr val="accent1">
-                      <a:lumMod val="75000"/>
+                      <a:lumMod val="60000"/>
+                      <a:lumOff val="40000"/>
                     </a:schemeClr>
                   </a:solidFill>
                   <a:latin typeface="Cambria" panose="02040503050406030204" pitchFamily="18" charset="0"/>
@@ -21290,7 +22566,7 @@
         </p:nvGrpSpPr>
         <p:grpSpPr>
           <a:xfrm>
-            <a:off x="4370295" y="1790729"/>
+            <a:off x="5809178" y="4940844"/>
             <a:ext cx="2272386" cy="998649"/>
             <a:chOff x="5311693" y="390012"/>
             <a:chExt cx="1967377" cy="998649"/>
@@ -21378,7 +22654,7 @@
           <p:spPr>
             <a:xfrm>
               <a:off x="5346619" y="390012"/>
-              <a:ext cx="1932451" cy="769441"/>
+              <a:ext cx="1932451" cy="523220"/>
             </a:xfrm>
             <a:prstGeom prst="rect">
               <a:avLst/>
@@ -21395,8 +22671,8 @@
               <a:r>
                 <a:rPr lang="fr-FR" altLang="ko-KR" b="1" dirty="0">
                   <a:solidFill>
-                    <a:schemeClr val="accent5">
-                      <a:lumMod val="75000"/>
+                    <a:schemeClr val="bg2">
+                      <a:lumMod val="50000"/>
                     </a:schemeClr>
                   </a:solidFill>
                   <a:latin typeface="Cambria" panose="02040503050406030204" pitchFamily="18" charset="0"/>
@@ -21407,8 +22683,8 @@
               <a:r>
                 <a:rPr lang="en-US" altLang="ko-KR" sz="1600" b="1" dirty="0">
                   <a:solidFill>
-                    <a:schemeClr val="accent5">
-                      <a:lumMod val="75000"/>
+                    <a:schemeClr val="bg2">
+                      <a:lumMod val="50000"/>
                     </a:schemeClr>
                   </a:solidFill>
                   <a:latin typeface="Cambria" panose="02040503050406030204" pitchFamily="18" charset="0"/>
@@ -21419,8 +22695,8 @@
               <a:r>
                 <a:rPr lang="fr-FR" altLang="ko-KR" sz="1600" b="1" dirty="0">
                   <a:solidFill>
-                    <a:schemeClr val="accent5">
-                      <a:lumMod val="75000"/>
+                    <a:schemeClr val="bg2">
+                      <a:lumMod val="50000"/>
                     </a:schemeClr>
                   </a:solidFill>
                   <a:latin typeface="Cambria" panose="02040503050406030204" pitchFamily="18" charset="0"/>
@@ -21446,10 +22722,10 @@
         </p:nvGrpSpPr>
         <p:grpSpPr>
           <a:xfrm>
-            <a:off x="7128895" y="1765100"/>
-            <a:ext cx="2460812" cy="1219240"/>
-            <a:chOff x="5158070" y="429928"/>
-            <a:chExt cx="1802258" cy="1141468"/>
+            <a:off x="2635493" y="4910122"/>
+            <a:ext cx="2460814" cy="1219240"/>
+            <a:chOff x="5158069" y="429928"/>
+            <a:chExt cx="1802259" cy="1141468"/>
           </a:xfrm>
         </p:grpSpPr>
         <p:sp>
@@ -21552,7 +22828,7 @@
           </p:nvSpPr>
           <p:spPr>
             <a:xfrm>
-              <a:off x="5158070" y="429928"/>
+              <a:off x="5158069" y="429928"/>
               <a:ext cx="1802258" cy="518660"/>
             </a:xfrm>
             <a:prstGeom prst="rect">
@@ -21571,8 +22847,7 @@
                 <a:rPr lang="fr-FR" altLang="ko-KR" b="1" dirty="0">
                   <a:solidFill>
                     <a:schemeClr val="accent1">
-                      <a:lumMod val="60000"/>
-                      <a:lumOff val="40000"/>
+                      <a:lumMod val="75000"/>
                     </a:schemeClr>
                   </a:solidFill>
                   <a:latin typeface="Cambria" panose="02040503050406030204" pitchFamily="18" charset="0"/>
@@ -21584,8 +22859,7 @@
                 <a:rPr lang="en-US" altLang="ko-KR" b="1" dirty="0">
                   <a:solidFill>
                     <a:schemeClr val="accent1">
-                      <a:lumMod val="60000"/>
-                      <a:lumOff val="40000"/>
+                      <a:lumMod val="75000"/>
                     </a:schemeClr>
                   </a:solidFill>
                   <a:latin typeface="Cambria" panose="02040503050406030204" pitchFamily="18" charset="0"/>
@@ -21597,8 +22871,7 @@
                 <a:rPr lang="fr-FR" altLang="ko-KR" b="1" dirty="0">
                   <a:solidFill>
                     <a:schemeClr val="accent1">
-                      <a:lumMod val="60000"/>
-                      <a:lumOff val="40000"/>
+                      <a:lumMod val="75000"/>
                     </a:schemeClr>
                   </a:solidFill>
                   <a:latin typeface="Cambria" panose="02040503050406030204" pitchFamily="18" charset="0"/>
@@ -21610,8 +22883,7 @@
                 <a:rPr lang="en-US" altLang="ko-KR" b="1" dirty="0">
                   <a:solidFill>
                     <a:schemeClr val="accent1">
-                      <a:lumMod val="60000"/>
-                      <a:lumOff val="40000"/>
+                      <a:lumMod val="75000"/>
                     </a:schemeClr>
                   </a:solidFill>
                   <a:latin typeface="Cambria" panose="02040503050406030204" pitchFamily="18" charset="0"/>
@@ -21637,10 +22909,10 @@
         </p:nvGrpSpPr>
         <p:grpSpPr>
           <a:xfrm>
-            <a:off x="5632979" y="4910122"/>
-            <a:ext cx="2273573" cy="1158244"/>
+            <a:off x="4216583" y="2028497"/>
+            <a:ext cx="2273573" cy="1002176"/>
             <a:chOff x="5064911" y="749551"/>
-            <a:chExt cx="1968404" cy="1158244"/>
+            <a:chExt cx="1968404" cy="1002176"/>
           </a:xfrm>
         </p:grpSpPr>
         <p:sp>
@@ -21658,7 +22930,7 @@
           <p:spPr>
             <a:xfrm>
               <a:off x="5174096" y="1382395"/>
-              <a:ext cx="1750034" cy="525400"/>
+              <a:ext cx="1750034" cy="369332"/>
             </a:xfrm>
             <a:prstGeom prst="rect">
               <a:avLst/>
@@ -21672,9 +22944,6 @@
             <a:lstStyle/>
             <a:p>
               <a:pPr marL="171450" indent="-171450" algn="ctr">
-                <a:lnSpc>
-                  <a:spcPct val="150000"/>
-                </a:lnSpc>
                 <a:buFont typeface="Arial" panose="020B0604020202020204" pitchFamily="34" charset="0"/>
                 <a:buChar char="•"/>
               </a:pPr>
@@ -21686,6 +22955,8 @@
                       <a:lumOff val="25000"/>
                     </a:schemeClr>
                   </a:solidFill>
+                  <a:latin typeface="Cambria" panose="02040503050406030204" pitchFamily="18" charset="0"/>
+                  <a:ea typeface="Cambria" panose="02040503050406030204" pitchFamily="18" charset="0"/>
                 </a:rPr>
                 <a:t>Présentation</a:t>
               </a:r>
@@ -21697,6 +22968,8 @@
                       <a:lumOff val="25000"/>
                     </a:schemeClr>
                   </a:solidFill>
+                  <a:latin typeface="Cambria" panose="02040503050406030204" pitchFamily="18" charset="0"/>
+                  <a:ea typeface="Cambria" panose="02040503050406030204" pitchFamily="18" charset="0"/>
                 </a:rPr>
                 <a:t> du </a:t>
               </a:r>
@@ -21708,15 +22981,14 @@
                       <a:lumOff val="25000"/>
                     </a:schemeClr>
                   </a:solidFill>
+                  <a:latin typeface="Cambria" panose="02040503050406030204" pitchFamily="18" charset="0"/>
+                  <a:ea typeface="Cambria" panose="02040503050406030204" pitchFamily="18" charset="0"/>
                 </a:rPr>
                 <a:t>projet</a:t>
               </a:r>
             </a:p>
             <a:p>
               <a:pPr marL="171450" indent="-171450" algn="ctr">
-                <a:lnSpc>
-                  <a:spcPct val="150000"/>
-                </a:lnSpc>
                 <a:buFont typeface="Arial" panose="020B0604020202020204" pitchFamily="34" charset="0"/>
                 <a:buChar char="•"/>
               </a:pPr>
@@ -21728,6 +23000,8 @@
                       <a:lumOff val="25000"/>
                     </a:schemeClr>
                   </a:solidFill>
+                  <a:latin typeface="Cambria" panose="02040503050406030204" pitchFamily="18" charset="0"/>
+                  <a:ea typeface="Cambria" panose="02040503050406030204" pitchFamily="18" charset="0"/>
                 </a:rPr>
                 <a:t>Gestion du </a:t>
               </a:r>
@@ -21739,6 +23013,8 @@
                       <a:lumOff val="25000"/>
                     </a:schemeClr>
                   </a:solidFill>
+                  <a:latin typeface="Cambria" panose="02040503050406030204" pitchFamily="18" charset="0"/>
+                  <a:ea typeface="Cambria" panose="02040503050406030204" pitchFamily="18" charset="0"/>
                 </a:rPr>
                 <a:t>projet</a:t>
               </a:r>
@@ -21777,9 +23053,8 @@
               <a:r>
                 <a:rPr lang="fr-FR" altLang="ko-KR" b="1" dirty="0">
                   <a:solidFill>
-                    <a:schemeClr val="tx2">
-                      <a:lumMod val="60000"/>
-                      <a:lumOff val="40000"/>
+                    <a:schemeClr val="accent5">
+                      <a:lumMod val="75000"/>
                     </a:schemeClr>
                   </a:solidFill>
                   <a:latin typeface="Cambria" panose="02040503050406030204" pitchFamily="18" charset="0"/>
@@ -21790,9 +23065,8 @@
               <a:r>
                 <a:rPr lang="en-US" altLang="ko-KR" b="1" dirty="0">
                   <a:solidFill>
-                    <a:schemeClr val="tx2">
-                      <a:lumMod val="60000"/>
-                      <a:lumOff val="40000"/>
+                    <a:schemeClr val="accent5">
+                      <a:lumMod val="75000"/>
                     </a:schemeClr>
                   </a:solidFill>
                   <a:latin typeface="Cambria" panose="02040503050406030204" pitchFamily="18" charset="0"/>
@@ -21803,9 +23077,8 @@
               <a:r>
                 <a:rPr lang="fr-FR" altLang="ko-KR" b="1" dirty="0">
                   <a:solidFill>
-                    <a:schemeClr val="tx2">
-                      <a:lumMod val="60000"/>
-                      <a:lumOff val="40000"/>
+                    <a:schemeClr val="accent5">
+                      <a:lumMod val="75000"/>
                     </a:schemeClr>
                   </a:solidFill>
                   <a:latin typeface="Cambria" panose="02040503050406030204" pitchFamily="18" charset="0"/>
@@ -21816,9 +23089,8 @@
               <a:r>
                 <a:rPr lang="en-US" altLang="ko-KR" b="1" dirty="0">
                   <a:solidFill>
-                    <a:schemeClr val="tx2">
-                      <a:lumMod val="60000"/>
-                      <a:lumOff val="40000"/>
+                    <a:schemeClr val="accent5">
+                      <a:lumMod val="75000"/>
                     </a:schemeClr>
                   </a:solidFill>
                   <a:latin typeface="Cambria" panose="02040503050406030204" pitchFamily="18" charset="0"/>
@@ -21829,9 +23101,8 @@
               <a:r>
                 <a:rPr lang="fr-FR" altLang="ko-KR" b="1" dirty="0">
                   <a:solidFill>
-                    <a:schemeClr val="tx2">
-                      <a:lumMod val="60000"/>
-                      <a:lumOff val="40000"/>
+                    <a:schemeClr val="accent5">
+                      <a:lumMod val="75000"/>
                     </a:schemeClr>
                   </a:solidFill>
                   <a:latin typeface="Cambria" panose="02040503050406030204" pitchFamily="18" charset="0"/>
@@ -21857,7 +23128,7 @@
         </p:nvSpPr>
         <p:spPr>
           <a:xfrm>
-            <a:off x="9103978" y="4979184"/>
+            <a:off x="1258554" y="2239103"/>
             <a:ext cx="2012169" cy="276999"/>
           </a:xfrm>
           <a:prstGeom prst="rect">
@@ -21875,9 +23146,8 @@
             <a:r>
               <a:rPr lang="en-US" altLang="ko-KR" b="1" dirty="0">
                 <a:solidFill>
-                  <a:schemeClr val="accent5">
-                    <a:lumMod val="60000"/>
-                    <a:lumOff val="40000"/>
+                  <a:schemeClr val="tx2">
+                    <a:lumMod val="75000"/>
                   </a:schemeClr>
                 </a:solidFill>
                 <a:latin typeface="Cambria" panose="02040503050406030204" pitchFamily="18" charset="0"/>
@@ -21933,7 +23203,7 @@
                   <a:schemeClr val="bg1"/>
                 </a:solidFill>
               </a:rPr>
-              <a:t>06</a:t>
+              <a:t>01</a:t>
             </a:r>
           </a:p>
         </p:txBody>
@@ -21973,7 +23243,7 @@
                   <a:schemeClr val="bg1"/>
                 </a:solidFill>
               </a:rPr>
-              <a:t>05</a:t>
+              <a:t>02</a:t>
             </a:r>
           </a:p>
         </p:txBody>
@@ -22013,7 +23283,7 @@
                   <a:schemeClr val="bg1"/>
                 </a:solidFill>
               </a:rPr>
-              <a:t>04</a:t>
+              <a:t>03</a:t>
             </a:r>
           </a:p>
         </p:txBody>
@@ -22053,7 +23323,7 @@
                   <a:schemeClr val="bg1"/>
                 </a:solidFill>
               </a:rPr>
-              <a:t>03</a:t>
+              <a:t>04</a:t>
             </a:r>
           </a:p>
         </p:txBody>
@@ -22093,7 +23363,7 @@
                   <a:schemeClr val="bg1"/>
                 </a:solidFill>
               </a:rPr>
-              <a:t>02</a:t>
+              <a:t>05</a:t>
             </a:r>
           </a:p>
         </p:txBody>
@@ -22133,7 +23403,7 @@
                   <a:schemeClr val="bg1"/>
                 </a:solidFill>
               </a:rPr>
-              <a:t>01</a:t>
+              <a:t>06</a:t>
             </a:r>
           </a:p>
         </p:txBody>
@@ -32974,8 +34244,8 @@
         </p:nvSpPr>
         <p:spPr>
           <a:xfrm>
-            <a:off x="8154559" y="2217263"/>
-            <a:ext cx="366051" cy="392161"/>
+            <a:off x="8104674" y="2217263"/>
+            <a:ext cx="465822" cy="431808"/>
           </a:xfrm>
           <a:custGeom>
             <a:avLst/>
@@ -34492,7 +35762,7 @@
                 <a:ea typeface="Cambria" panose="02040503050406030204" pitchFamily="18" charset="0"/>
                 <a:cs typeface="Arial" pitchFamily="34" charset="0"/>
               </a:rPr>
-              <a:t>Comment combiner les notions de traitement de données et gestion de documents dans une application ? Et quelles technologies utilisées</a:t>
+              <a:t>Comment combiner les notions de traitement de données et gestion de documents dans une application ? Et quelles technologies utiliser ?</a:t>
             </a:r>
             <a:endParaRPr lang="ko-KR" altLang="en-US" sz="1200" dirty="0">
               <a:solidFill>
@@ -38860,8 +40130,8 @@
         </p:blipFill>
         <p:spPr>
           <a:xfrm>
-            <a:off x="346348" y="2179742"/>
-            <a:ext cx="2207559" cy="911856"/>
+            <a:off x="642251" y="2301968"/>
+            <a:ext cx="1911656" cy="789630"/>
           </a:xfrm>
           <a:prstGeom prst="rect">
             <a:avLst/>
@@ -38882,7 +40152,7 @@
         </p:nvSpPr>
         <p:spPr>
           <a:xfrm>
-            <a:off x="416858" y="3254188"/>
+            <a:off x="530488" y="3320422"/>
             <a:ext cx="3375213" cy="307777"/>
           </a:xfrm>
           <a:prstGeom prst="rect">
@@ -38934,8 +40204,8 @@
         </p:blipFill>
         <p:spPr>
           <a:xfrm>
-            <a:off x="5096435" y="2030227"/>
-            <a:ext cx="1223961" cy="1223961"/>
+            <a:off x="4357384" y="2370598"/>
+            <a:ext cx="901231" cy="901231"/>
           </a:xfrm>
           <a:prstGeom prst="rect">
             <a:avLst/>
@@ -38956,7 +40226,7 @@
         </p:nvSpPr>
         <p:spPr>
           <a:xfrm>
-            <a:off x="5096435" y="3254188"/>
+            <a:off x="4182742" y="3314271"/>
             <a:ext cx="1398634" cy="307777"/>
           </a:xfrm>
           <a:prstGeom prst="rect">
@@ -39008,8 +40278,8 @@
         </p:blipFill>
         <p:spPr>
           <a:xfrm>
-            <a:off x="8464084" y="2030227"/>
-            <a:ext cx="2524786" cy="1418609"/>
+            <a:off x="10004518" y="2385854"/>
+            <a:ext cx="1911955" cy="1074276"/>
           </a:xfrm>
           <a:prstGeom prst="rect">
             <a:avLst/>
@@ -39030,7 +40300,7 @@
         </p:nvSpPr>
         <p:spPr>
           <a:xfrm>
-            <a:off x="8638757" y="3294947"/>
+            <a:off x="9994735" y="3339660"/>
             <a:ext cx="1911954" cy="307777"/>
           </a:xfrm>
           <a:prstGeom prst="rect">
@@ -39082,8 +40352,8 @@
         </p:blipFill>
         <p:spPr>
           <a:xfrm>
-            <a:off x="3111663" y="4023630"/>
-            <a:ext cx="1803405" cy="1803405"/>
+            <a:off x="1018379" y="3622048"/>
+            <a:ext cx="1499502" cy="1499502"/>
           </a:xfrm>
           <a:prstGeom prst="rect">
             <a:avLst/>
@@ -39104,7 +40374,7 @@
         </p:nvSpPr>
         <p:spPr>
           <a:xfrm>
-            <a:off x="3000160" y="5673147"/>
+            <a:off x="797985" y="5190579"/>
             <a:ext cx="2004646" cy="307777"/>
           </a:xfrm>
           <a:prstGeom prst="rect">
@@ -39156,8 +40426,8 @@
         </p:blipFill>
         <p:spPr>
           <a:xfrm>
-            <a:off x="7849161" y="4322613"/>
-            <a:ext cx="1229846" cy="1350532"/>
+            <a:off x="10598173" y="4101112"/>
+            <a:ext cx="917026" cy="1007015"/>
           </a:xfrm>
           <a:prstGeom prst="rect">
             <a:avLst/>
@@ -39178,7 +40448,7 @@
         </p:nvSpPr>
         <p:spPr>
           <a:xfrm>
-            <a:off x="7376364" y="5673146"/>
+            <a:off x="9794293" y="5189088"/>
             <a:ext cx="2524786" cy="307777"/>
           </a:xfrm>
           <a:prstGeom prst="rect">
@@ -39198,6 +40468,450 @@
                 <a:ea typeface="Cambria" panose="02040503050406030204" pitchFamily="18" charset="0"/>
               </a:rPr>
               <a:t>Langage de programmation</a:t>
+            </a:r>
+          </a:p>
+        </p:txBody>
+      </p:sp>
+      <p:pic>
+        <p:nvPicPr>
+          <p:cNvPr id="15" name="Picture 14" descr="A picture containing graphics, logo, font, graphic design&#10;&#10;Description automatically generated">
+            <a:extLst>
+              <a:ext uri="{FF2B5EF4-FFF2-40B4-BE49-F238E27FC236}">
+                <a16:creationId xmlns:a16="http://schemas.microsoft.com/office/drawing/2014/main" id="{E7ECF61E-BF8F-CD8C-8C02-26E87924068A}"/>
+              </a:ext>
+            </a:extLst>
+          </p:cNvPr>
+          <p:cNvPicPr>
+            <a:picLocks noChangeAspect="1"/>
+          </p:cNvPicPr>
+          <p:nvPr/>
+        </p:nvPicPr>
+        <p:blipFill>
+          <a:blip r:embed="rId7">
+            <a:extLst>
+              <a:ext uri="{28A0092B-C50C-407E-A947-70E740481C1C}">
+                <a14:useLocalDpi xmlns:a14="http://schemas.microsoft.com/office/drawing/2010/main" val="0"/>
+              </a:ext>
+            </a:extLst>
+          </a:blip>
+          <a:stretch>
+            <a:fillRect/>
+          </a:stretch>
+        </p:blipFill>
+        <p:spPr>
+          <a:xfrm>
+            <a:off x="4357384" y="4036786"/>
+            <a:ext cx="1294052" cy="1107221"/>
+          </a:xfrm>
+          <a:prstGeom prst="rect">
+            <a:avLst/>
+          </a:prstGeom>
+        </p:spPr>
+      </p:pic>
+      <p:sp>
+        <p:nvSpPr>
+          <p:cNvPr id="16" name="TextBox 15">
+            <a:extLst>
+              <a:ext uri="{FF2B5EF4-FFF2-40B4-BE49-F238E27FC236}">
+                <a16:creationId xmlns:a16="http://schemas.microsoft.com/office/drawing/2014/main" id="{B65325D4-136D-BF18-6D04-D346F493DAD9}"/>
+              </a:ext>
+            </a:extLst>
+          </p:cNvPr>
+          <p:cNvSpPr txBox="1"/>
+          <p:nvPr/>
+        </p:nvSpPr>
+        <p:spPr>
+          <a:xfrm>
+            <a:off x="4190734" y="5190579"/>
+            <a:ext cx="1631841" cy="307777"/>
+          </a:xfrm>
+          <a:prstGeom prst="rect">
+            <a:avLst/>
+          </a:prstGeom>
+          <a:noFill/>
+        </p:spPr>
+        <p:txBody>
+          <a:bodyPr wrap="square" rtlCol="0">
+            <a:spAutoFit/>
+          </a:bodyPr>
+          <a:lstStyle/>
+          <a:p>
+            <a:r>
+              <a:rPr lang="fr-FR" sz="1400" i="1" dirty="0">
+                <a:latin typeface="Cambria" panose="02040503050406030204" pitchFamily="18" charset="0"/>
+                <a:ea typeface="Cambria" panose="02040503050406030204" pitchFamily="18" charset="0"/>
+              </a:rPr>
+              <a:t>Flexibilité du code</a:t>
+            </a:r>
+          </a:p>
+        </p:txBody>
+      </p:sp>
+      <p:pic>
+        <p:nvPicPr>
+          <p:cNvPr id="20" name="Picture 19" descr="A picture containing black, darkness&#10;&#10;Description automatically generated">
+            <a:extLst>
+              <a:ext uri="{FF2B5EF4-FFF2-40B4-BE49-F238E27FC236}">
+                <a16:creationId xmlns:a16="http://schemas.microsoft.com/office/drawing/2014/main" id="{E73E7034-FCAC-23E9-9BC3-31035556C4CB}"/>
+              </a:ext>
+            </a:extLst>
+          </p:cNvPr>
+          <p:cNvPicPr>
+            <a:picLocks noChangeAspect="1"/>
+          </p:cNvPicPr>
+          <p:nvPr/>
+        </p:nvPicPr>
+        <p:blipFill>
+          <a:blip r:embed="rId8">
+            <a:extLst>
+              <a:ext uri="{28A0092B-C50C-407E-A947-70E740481C1C}">
+                <a14:useLocalDpi xmlns:a14="http://schemas.microsoft.com/office/drawing/2010/main" val="0"/>
+              </a:ext>
+            </a:extLst>
+          </a:blip>
+          <a:stretch>
+            <a:fillRect/>
+          </a:stretch>
+        </p:blipFill>
+        <p:spPr>
+          <a:xfrm>
+            <a:off x="7267865" y="4036786"/>
+            <a:ext cx="1713878" cy="964056"/>
+          </a:xfrm>
+          <a:prstGeom prst="rect">
+            <a:avLst/>
+          </a:prstGeom>
+        </p:spPr>
+      </p:pic>
+      <p:sp>
+        <p:nvSpPr>
+          <p:cNvPr id="23" name="TextBox 22">
+            <a:extLst>
+              <a:ext uri="{FF2B5EF4-FFF2-40B4-BE49-F238E27FC236}">
+                <a16:creationId xmlns:a16="http://schemas.microsoft.com/office/drawing/2014/main" id="{A2FA317D-09C2-DE2F-7F7E-7499732D4FF2}"/>
+              </a:ext>
+            </a:extLst>
+          </p:cNvPr>
+          <p:cNvSpPr txBox="1"/>
+          <p:nvPr/>
+        </p:nvSpPr>
+        <p:spPr>
+          <a:xfrm>
+            <a:off x="7349902" y="5189087"/>
+            <a:ext cx="1874780" cy="307777"/>
+          </a:xfrm>
+          <a:prstGeom prst="rect">
+            <a:avLst/>
+          </a:prstGeom>
+          <a:noFill/>
+        </p:spPr>
+        <p:txBody>
+          <a:bodyPr wrap="square" rtlCol="0">
+            <a:spAutoFit/>
+          </a:bodyPr>
+          <a:lstStyle/>
+          <a:p>
+            <a:r>
+              <a:rPr lang="fr-FR" sz="1400" i="1" dirty="0">
+                <a:latin typeface="Cambria" panose="02040503050406030204" pitchFamily="18" charset="0"/>
+                <a:ea typeface="Cambria" panose="02040503050406030204" pitchFamily="18" charset="0"/>
+              </a:rPr>
+              <a:t>Versioning du projet</a:t>
+            </a:r>
+          </a:p>
+        </p:txBody>
+      </p:sp>
+      <p:pic>
+        <p:nvPicPr>
+          <p:cNvPr id="29" name="Picture 28" descr="A red and black logo&#10;&#10;Description automatically generated with low confidence">
+            <a:extLst>
+              <a:ext uri="{FF2B5EF4-FFF2-40B4-BE49-F238E27FC236}">
+                <a16:creationId xmlns:a16="http://schemas.microsoft.com/office/drawing/2014/main" id="{4FD78926-8F4E-313D-7E91-F8FDB8A27AC2}"/>
+              </a:ext>
+            </a:extLst>
+          </p:cNvPr>
+          <p:cNvPicPr>
+            <a:picLocks noChangeAspect="1"/>
+          </p:cNvPicPr>
+          <p:nvPr/>
+        </p:nvPicPr>
+        <p:blipFill>
+          <a:blip r:embed="rId9">
+            <a:extLst>
+              <a:ext uri="{28A0092B-C50C-407E-A947-70E740481C1C}">
+                <a14:useLocalDpi xmlns:a14="http://schemas.microsoft.com/office/drawing/2010/main" val="0"/>
+              </a:ext>
+            </a:extLst>
+          </a:blip>
+          <a:stretch>
+            <a:fillRect/>
+          </a:stretch>
+        </p:blipFill>
+        <p:spPr>
+          <a:xfrm>
+            <a:off x="7316906" y="2242201"/>
+            <a:ext cx="1268996" cy="1268996"/>
+          </a:xfrm>
+          <a:prstGeom prst="rect">
+            <a:avLst/>
+          </a:prstGeom>
+        </p:spPr>
+      </p:pic>
+      <p:sp>
+        <p:nvSpPr>
+          <p:cNvPr id="32" name="TextBox 31">
+            <a:extLst>
+              <a:ext uri="{FF2B5EF4-FFF2-40B4-BE49-F238E27FC236}">
+                <a16:creationId xmlns:a16="http://schemas.microsoft.com/office/drawing/2014/main" id="{037D5AB1-2BFC-9EC2-F2D0-0A3BA1D08596}"/>
+              </a:ext>
+            </a:extLst>
+          </p:cNvPr>
+          <p:cNvSpPr txBox="1"/>
+          <p:nvPr/>
+        </p:nvSpPr>
+        <p:spPr>
+          <a:xfrm>
+            <a:off x="7316906" y="3357309"/>
+            <a:ext cx="1398634" cy="307777"/>
+          </a:xfrm>
+          <a:prstGeom prst="rect">
+            <a:avLst/>
+          </a:prstGeom>
+          <a:noFill/>
+        </p:spPr>
+        <p:txBody>
+          <a:bodyPr wrap="square" rtlCol="0">
+            <a:spAutoFit/>
+          </a:bodyPr>
+          <a:lstStyle/>
+          <a:p>
+            <a:r>
+              <a:rPr lang="fr-FR" sz="1400" i="1" dirty="0">
+                <a:latin typeface="Cambria" panose="02040503050406030204" pitchFamily="18" charset="0"/>
+                <a:ea typeface="Cambria" panose="02040503050406030204" pitchFamily="18" charset="0"/>
+              </a:rPr>
+              <a:t>Conception UML</a:t>
+            </a:r>
+          </a:p>
+        </p:txBody>
+      </p:sp>
+      <p:pic>
+        <p:nvPicPr>
+          <p:cNvPr id="34" name="Picture 33" descr="A logo for a company&#10;&#10;Description automatically generated with low confidence">
+            <a:extLst>
+              <a:ext uri="{FF2B5EF4-FFF2-40B4-BE49-F238E27FC236}">
+                <a16:creationId xmlns:a16="http://schemas.microsoft.com/office/drawing/2014/main" id="{48D82556-712F-DD2B-5F58-8165D15E0F8D}"/>
+              </a:ext>
+            </a:extLst>
+          </p:cNvPr>
+          <p:cNvPicPr>
+            <a:picLocks noChangeAspect="1"/>
+          </p:cNvPicPr>
+          <p:nvPr/>
+        </p:nvPicPr>
+        <p:blipFill rotWithShape="1">
+          <a:blip r:embed="rId10">
+            <a:extLst>
+              <a:ext uri="{28A0092B-C50C-407E-A947-70E740481C1C}">
+                <a14:useLocalDpi xmlns:a14="http://schemas.microsoft.com/office/drawing/2010/main" val="0"/>
+              </a:ext>
+            </a:extLst>
+          </a:blip>
+          <a:srcRect t="28761" b="30723"/>
+          <a:stretch/>
+        </p:blipFill>
+        <p:spPr>
+          <a:xfrm>
+            <a:off x="3698501" y="843212"/>
+            <a:ext cx="2466975" cy="748692"/>
+          </a:xfrm>
+          <a:prstGeom prst="rect">
+            <a:avLst/>
+          </a:prstGeom>
+        </p:spPr>
+      </p:pic>
+      <p:sp>
+        <p:nvSpPr>
+          <p:cNvPr id="35" name="TextBox 34">
+            <a:extLst>
+              <a:ext uri="{FF2B5EF4-FFF2-40B4-BE49-F238E27FC236}">
+                <a16:creationId xmlns:a16="http://schemas.microsoft.com/office/drawing/2014/main" id="{5A9B336C-A100-3CBE-1233-88B620088BCA}"/>
+              </a:ext>
+            </a:extLst>
+          </p:cNvPr>
+          <p:cNvSpPr txBox="1"/>
+          <p:nvPr/>
+        </p:nvSpPr>
+        <p:spPr>
+          <a:xfrm>
+            <a:off x="3134756" y="1547003"/>
+            <a:ext cx="3594464" cy="307777"/>
+          </a:xfrm>
+          <a:prstGeom prst="rect">
+            <a:avLst/>
+          </a:prstGeom>
+          <a:noFill/>
+        </p:spPr>
+        <p:txBody>
+          <a:bodyPr wrap="square" rtlCol="0">
+            <a:spAutoFit/>
+          </a:bodyPr>
+          <a:lstStyle/>
+          <a:p>
+            <a:r>
+              <a:rPr lang="fr-FR" sz="1400" i="1" dirty="0">
+                <a:latin typeface="Cambria" panose="02040503050406030204" pitchFamily="18" charset="0"/>
+                <a:ea typeface="Cambria" panose="02040503050406030204" pitchFamily="18" charset="0"/>
+              </a:rPr>
+              <a:t>Analyse de données &amp; Réalisation de graphes</a:t>
+            </a:r>
+          </a:p>
+        </p:txBody>
+      </p:sp>
+      <p:pic>
+        <p:nvPicPr>
+          <p:cNvPr id="37" name="Picture 36">
+            <a:extLst>
+              <a:ext uri="{FF2B5EF4-FFF2-40B4-BE49-F238E27FC236}">
+                <a16:creationId xmlns:a16="http://schemas.microsoft.com/office/drawing/2014/main" id="{039D684D-AA1B-DEDA-2C03-2DA4D1F720A4}"/>
+              </a:ext>
+            </a:extLst>
+          </p:cNvPr>
+          <p:cNvPicPr>
+            <a:picLocks noChangeAspect="1"/>
+          </p:cNvPicPr>
+          <p:nvPr/>
+        </p:nvPicPr>
+        <p:blipFill>
+          <a:blip r:embed="rId11">
+            <a:extLst>
+              <a:ext uri="{28A0092B-C50C-407E-A947-70E740481C1C}">
+                <a14:useLocalDpi xmlns:a14="http://schemas.microsoft.com/office/drawing/2010/main" val="0"/>
+              </a:ext>
+            </a:extLst>
+          </a:blip>
+          <a:stretch>
+            <a:fillRect/>
+          </a:stretch>
+        </p:blipFill>
+        <p:spPr>
+          <a:xfrm>
+            <a:off x="8585902" y="992637"/>
+            <a:ext cx="1608018" cy="557109"/>
+          </a:xfrm>
+          <a:prstGeom prst="rect">
+            <a:avLst/>
+          </a:prstGeom>
+        </p:spPr>
+      </p:pic>
+      <p:sp>
+        <p:nvSpPr>
+          <p:cNvPr id="38" name="TextBox 37">
+            <a:extLst>
+              <a:ext uri="{FF2B5EF4-FFF2-40B4-BE49-F238E27FC236}">
+                <a16:creationId xmlns:a16="http://schemas.microsoft.com/office/drawing/2014/main" id="{35FE1084-4AC5-CF4F-6BC4-AD359EC575B8}"/>
+              </a:ext>
+            </a:extLst>
+          </p:cNvPr>
+          <p:cNvSpPr txBox="1"/>
+          <p:nvPr/>
+        </p:nvSpPr>
+        <p:spPr>
+          <a:xfrm>
+            <a:off x="8257027" y="1586782"/>
+            <a:ext cx="2799659" cy="307777"/>
+          </a:xfrm>
+          <a:prstGeom prst="rect">
+            <a:avLst/>
+          </a:prstGeom>
+          <a:noFill/>
+        </p:spPr>
+        <p:txBody>
+          <a:bodyPr wrap="square" rtlCol="0">
+            <a:spAutoFit/>
+          </a:bodyPr>
+          <a:lstStyle/>
+          <a:p>
+            <a:pPr algn="ctr"/>
+            <a:r>
+              <a:rPr lang="fr-FR" sz="1400" i="1" dirty="0">
+                <a:latin typeface="Cambria" panose="02040503050406030204" pitchFamily="18" charset="0"/>
+                <a:ea typeface="Cambria" panose="02040503050406030204" pitchFamily="18" charset="0"/>
+              </a:rPr>
+              <a:t>Fonctionnalites Backend</a:t>
+            </a:r>
+          </a:p>
+        </p:txBody>
+      </p:sp>
+      <p:pic>
+        <p:nvPicPr>
+          <p:cNvPr id="40" name="Picture 39" descr="A blue and white logo&#10;&#10;Description automatically generated with medium confidence">
+            <a:extLst>
+              <a:ext uri="{FF2B5EF4-FFF2-40B4-BE49-F238E27FC236}">
+                <a16:creationId xmlns:a16="http://schemas.microsoft.com/office/drawing/2014/main" id="{8A86059B-54E4-27C5-ABB4-63A9AD1A034E}"/>
+              </a:ext>
+            </a:extLst>
+          </p:cNvPr>
+          <p:cNvPicPr>
+            <a:picLocks noChangeAspect="1"/>
+          </p:cNvPicPr>
+          <p:nvPr/>
+        </p:nvPicPr>
+        <p:blipFill>
+          <a:blip r:embed="rId12">
+            <a:extLst>
+              <a:ext uri="{28A0092B-C50C-407E-A947-70E740481C1C}">
+                <a14:useLocalDpi xmlns:a14="http://schemas.microsoft.com/office/drawing/2010/main" val="0"/>
+              </a:ext>
+            </a:extLst>
+          </a:blip>
+          <a:stretch>
+            <a:fillRect/>
+          </a:stretch>
+        </p:blipFill>
+        <p:spPr>
+          <a:xfrm>
+            <a:off x="5452064" y="5837942"/>
+            <a:ext cx="2216952" cy="862148"/>
+          </a:xfrm>
+          <a:prstGeom prst="rect">
+            <a:avLst/>
+          </a:prstGeom>
+        </p:spPr>
+      </p:pic>
+      <p:sp>
+        <p:nvSpPr>
+          <p:cNvPr id="41" name="TextBox 40">
+            <a:extLst>
+              <a:ext uri="{FF2B5EF4-FFF2-40B4-BE49-F238E27FC236}">
+                <a16:creationId xmlns:a16="http://schemas.microsoft.com/office/drawing/2014/main" id="{A0A96F4A-E554-B3F9-694F-B8A9D69984D7}"/>
+              </a:ext>
+            </a:extLst>
+          </p:cNvPr>
+          <p:cNvSpPr txBox="1"/>
+          <p:nvPr/>
+        </p:nvSpPr>
+        <p:spPr>
+          <a:xfrm>
+            <a:off x="7778150" y="6269016"/>
+            <a:ext cx="2226368" cy="307777"/>
+          </a:xfrm>
+          <a:prstGeom prst="rect">
+            <a:avLst/>
+          </a:prstGeom>
+          <a:noFill/>
+        </p:spPr>
+        <p:txBody>
+          <a:bodyPr wrap="square" rtlCol="0">
+            <a:spAutoFit/>
+          </a:bodyPr>
+          <a:lstStyle/>
+          <a:p>
+            <a:r>
+              <a:rPr lang="fr-FR" sz="1400" i="1" dirty="0">
+                <a:latin typeface="Cambria" panose="02040503050406030204" pitchFamily="18" charset="0"/>
+                <a:ea typeface="Cambria" panose="02040503050406030204" pitchFamily="18" charset="0"/>
+              </a:rPr>
+              <a:t>Développement Frontend</a:t>
             </a:r>
           </a:p>
         </p:txBody>
